--- a/course/spm/LectureNotes/(Fall2016)Lecture7.pptx
+++ b/course/spm/LectureNotes/(Fall2016)Lecture7.pptx
@@ -5,7 +5,7 @@
     <p:sldMasterId id="2147483660" r:id="rId2"/>
   </p:sldMasterIdLst>
   <p:notesMasterIdLst>
-    <p:notesMasterId r:id="rId28"/>
+    <p:notesMasterId r:id="rId42"/>
   </p:notesMasterIdLst>
   <p:sldIdLst>
     <p:sldId id="256" r:id="rId3"/>
@@ -32,7 +32,21 @@
     <p:sldId id="316" r:id="rId24"/>
     <p:sldId id="317" r:id="rId25"/>
     <p:sldId id="318" r:id="rId26"/>
-    <p:sldId id="319" r:id="rId27"/>
+    <p:sldId id="320" r:id="rId27"/>
+    <p:sldId id="321" r:id="rId28"/>
+    <p:sldId id="322" r:id="rId29"/>
+    <p:sldId id="323" r:id="rId30"/>
+    <p:sldId id="324" r:id="rId31"/>
+    <p:sldId id="325" r:id="rId32"/>
+    <p:sldId id="326" r:id="rId33"/>
+    <p:sldId id="327" r:id="rId34"/>
+    <p:sldId id="328" r:id="rId35"/>
+    <p:sldId id="329" r:id="rId36"/>
+    <p:sldId id="330" r:id="rId37"/>
+    <p:sldId id="332" r:id="rId38"/>
+    <p:sldId id="331" r:id="rId39"/>
+    <p:sldId id="333" r:id="rId40"/>
+    <p:sldId id="319" r:id="rId41"/>
   </p:sldIdLst>
   <p:sldSz cx="9144000" cy="6858000" type="screen4x3"/>
   <p:notesSz cx="6858000" cy="9144000"/>
@@ -233,7 +247,7 @@
             <a:fld id="{498DB960-2B76-49A4-B4DC-4E752D1B98C4}" type="datetimeFigureOut">
               <a:rPr lang="en-US" smtClean="0"/>
               <a:pPr/>
-              <a:t>1/2/2017</a:t>
+              <a:t>1/4/2017</a:t>
             </a:fld>
             <a:endParaRPr lang="en-US"/>
           </a:p>
@@ -831,7 +845,7 @@
             <a:fld id="{DA480A42-1B47-4A74-9A1D-F67E9D003F15}" type="datetimeFigureOut">
               <a:rPr lang="en-US" smtClean="0"/>
               <a:pPr/>
-              <a:t>1/2/2017</a:t>
+              <a:t>1/4/2017</a:t>
             </a:fld>
             <a:endParaRPr lang="en-US"/>
           </a:p>
@@ -1030,7 +1044,7 @@
             <a:fld id="{DA480A42-1B47-4A74-9A1D-F67E9D003F15}" type="datetimeFigureOut">
               <a:rPr lang="en-US" smtClean="0"/>
               <a:pPr/>
-              <a:t>1/2/2017</a:t>
+              <a:t>1/4/2017</a:t>
             </a:fld>
             <a:endParaRPr lang="en-US"/>
           </a:p>
@@ -1385,7 +1399,7 @@
             <a:fld id="{DA480A42-1B47-4A74-9A1D-F67E9D003F15}" type="datetimeFigureOut">
               <a:rPr lang="en-US" smtClean="0"/>
               <a:pPr/>
-              <a:t>1/2/2017</a:t>
+              <a:t>1/4/2017</a:t>
             </a:fld>
             <a:endParaRPr lang="en-US"/>
           </a:p>
@@ -1557,7 +1571,7 @@
             <a:fld id="{DA480A42-1B47-4A74-9A1D-F67E9D003F15}" type="datetimeFigureOut">
               <a:rPr lang="en-US" smtClean="0"/>
               <a:pPr/>
-              <a:t>1/2/2017</a:t>
+              <a:t>1/4/2017</a:t>
             </a:fld>
             <a:endParaRPr lang="en-US"/>
           </a:p>
@@ -1930,7 +1944,7 @@
             <a:fld id="{DA480A42-1B47-4A74-9A1D-F67E9D003F15}" type="datetimeFigureOut">
               <a:rPr lang="en-US" smtClean="0"/>
               <a:pPr/>
-              <a:t>1/2/2017</a:t>
+              <a:t>1/4/2017</a:t>
             </a:fld>
             <a:endParaRPr lang="en-US"/>
           </a:p>
@@ -2159,7 +2173,7 @@
             <a:fld id="{DA480A42-1B47-4A74-9A1D-F67E9D003F15}" type="datetimeFigureOut">
               <a:rPr lang="en-US" smtClean="0"/>
               <a:pPr/>
-              <a:t>1/2/2017</a:t>
+              <a:t>1/4/2017</a:t>
             </a:fld>
             <a:endParaRPr lang="en-US"/>
           </a:p>
@@ -2470,7 +2484,7 @@
             <a:fld id="{DA480A42-1B47-4A74-9A1D-F67E9D003F15}" type="datetimeFigureOut">
               <a:rPr lang="en-US" smtClean="0"/>
               <a:pPr/>
-              <a:t>1/2/2017</a:t>
+              <a:t>1/4/2017</a:t>
             </a:fld>
             <a:endParaRPr lang="en-US"/>
           </a:p>
@@ -2585,7 +2599,7 @@
             <a:fld id="{DA480A42-1B47-4A74-9A1D-F67E9D003F15}" type="datetimeFigureOut">
               <a:rPr lang="en-US" smtClean="0"/>
               <a:pPr/>
-              <a:t>1/2/2017</a:t>
+              <a:t>1/4/2017</a:t>
             </a:fld>
             <a:endParaRPr lang="en-US"/>
           </a:p>
@@ -2677,7 +2691,7 @@
             <a:fld id="{DA480A42-1B47-4A74-9A1D-F67E9D003F15}" type="datetimeFigureOut">
               <a:rPr lang="en-US" smtClean="0"/>
               <a:pPr/>
-              <a:t>1/2/2017</a:t>
+              <a:t>1/4/2017</a:t>
             </a:fld>
             <a:endParaRPr lang="en-US"/>
           </a:p>
@@ -2924,7 +2938,7 @@
             <a:fld id="{DA480A42-1B47-4A74-9A1D-F67E9D003F15}" type="datetimeFigureOut">
               <a:rPr lang="en-US" smtClean="0"/>
               <a:pPr/>
-              <a:t>1/2/2017</a:t>
+              <a:t>1/4/2017</a:t>
             </a:fld>
             <a:endParaRPr lang="en-US"/>
           </a:p>
@@ -3325,7 +3339,7 @@
             <a:fld id="{DA480A42-1B47-4A74-9A1D-F67E9D003F15}" type="datetimeFigureOut">
               <a:rPr lang="en-US" smtClean="0"/>
               <a:pPr/>
-              <a:t>1/2/2017</a:t>
+              <a:t>1/4/2017</a:t>
             </a:fld>
             <a:endParaRPr lang="en-US"/>
           </a:p>
@@ -3712,7 +3726,7 @@
             <a:fld id="{DA480A42-1B47-4A74-9A1D-F67E9D003F15}" type="datetimeFigureOut">
               <a:rPr lang="en-US" smtClean="0"/>
               <a:pPr/>
-              <a:t>1/2/2017</a:t>
+              <a:t>1/4/2017</a:t>
             </a:fld>
             <a:endParaRPr lang="en-US"/>
           </a:p>
@@ -6124,7 +6138,7 @@
           <a:graphicData uri="http://schemas.openxmlformats.org/presentationml/2006/ole">
             <mc:AlternateContent xmlns:mc="http://schemas.openxmlformats.org/markup-compatibility/2006">
               <mc:Choice xmlns:v="urn:schemas-microsoft-com:vml" Requires="v">
-                <p:oleObj spid="_x0000_s4107" name="Equation" r:id="rId3" imgW="3416040" imgH="1333440" progId="Equation.DSMT4">
+                <p:oleObj spid="_x0000_s4142" name="Equation" r:id="rId3" imgW="3416040" imgH="1333440" progId="Equation.DSMT4">
                   <p:embed/>
                 </p:oleObj>
               </mc:Choice>
@@ -6764,7 +6778,7 @@
           <a:graphicData uri="http://schemas.openxmlformats.org/presentationml/2006/ole">
             <mc:AlternateContent xmlns:mc="http://schemas.openxmlformats.org/markup-compatibility/2006">
               <mc:Choice xmlns:v="urn:schemas-microsoft-com:vml" Requires="v">
-                <p:oleObj spid="_x0000_s5134" name="Equation" r:id="rId3" imgW="1815840" imgH="749160" progId="Equation.DSMT4">
+                <p:oleObj spid="_x0000_s5204" name="Equation" r:id="rId3" imgW="1815840" imgH="749160" progId="Equation.DSMT4">
                   <p:embed/>
                 </p:oleObj>
               </mc:Choice>
@@ -6821,7 +6835,7 @@
           <a:graphicData uri="http://schemas.openxmlformats.org/presentationml/2006/ole">
             <mc:AlternateContent xmlns:mc="http://schemas.openxmlformats.org/markup-compatibility/2006">
               <mc:Choice xmlns:v="urn:schemas-microsoft-com:vml" Requires="v">
-                <p:oleObj spid="_x0000_s5135" name="Equation" r:id="rId5" imgW="2273040" imgH="952200" progId="Equation.DSMT4">
+                <p:oleObj spid="_x0000_s5205" name="Equation" r:id="rId5" imgW="2273040" imgH="952200" progId="Equation.DSMT4">
                   <p:embed/>
                 </p:oleObj>
               </mc:Choice>
@@ -8059,47 +8073,123 @@
             <p:ph sz="quarter" idx="1"/>
           </p:nvPr>
         </p:nvSpPr>
-        <p:spPr>
-          <a:xfrm>
-            <a:off x="762000" y="1600200"/>
-            <a:ext cx="8004048" cy="3629000"/>
-          </a:xfrm>
-        </p:spPr>
-        <p:txBody>
-          <a:bodyPr>
-            <a:normAutofit fontScale="77500" lnSpcReduction="20000"/>
-          </a:bodyPr>
+        <p:spPr/>
+        <p:txBody>
+          <a:bodyPr/>
           <a:lstStyle/>
           <a:p>
             <a:r>
               <a:rPr lang="en-US" altLang="zh-CN" dirty="0" smtClean="0"/>
-              <a:t>Quality by itself is a vague concept and practical quality requirements have to be carefully defined.</a:t>
-            </a:r>
-          </a:p>
-          <a:p>
-            <a:r>
-              <a:rPr lang="en-US" altLang="zh-CN" dirty="0" smtClean="0"/>
-              <a:t>There have to be practical ways of testing for the relative presence or absence of quality</a:t>
-            </a:r>
-          </a:p>
-          <a:p>
-            <a:r>
-              <a:rPr lang="en-US" altLang="zh-CN" dirty="0" smtClean="0"/>
-              <a:t>Most of the qualities that are apparent to the users of software can only be tested for when the system is completed.</a:t>
-            </a:r>
-          </a:p>
-          <a:p>
-            <a:r>
-              <a:rPr lang="en-US" altLang="zh-CN" dirty="0" smtClean="0"/>
-              <a:t>Therefore ways are needed of checking during development what the quality of the final system is likely to be.</a:t>
-            </a:r>
-          </a:p>
-          <a:p>
-            <a:r>
-              <a:rPr lang="en-US" altLang="zh-CN" dirty="0" smtClean="0"/>
-              <a:t>Some quality-enhancing techniques concentrate on testing the products of the development process, while others try to evaluate the quality of the development processes used. </a:t>
-            </a:r>
-            <a:endParaRPr lang="zh-CN" altLang="en-US" dirty="0"/>
+              <a:t>Some concepts</a:t>
+            </a:r>
+          </a:p>
+          <a:p>
+            <a:pPr lvl="1"/>
+            <a:r>
+              <a:rPr lang="en-US" altLang="zh-CN" sz="1800" dirty="0">
+                <a:solidFill>
+                  <a:srgbClr val="7030A0"/>
+                </a:solidFill>
+              </a:rPr>
+              <a:t>Software Quality Control </a:t>
+            </a:r>
+            <a:r>
+              <a:rPr lang="en-US" altLang="zh-CN" sz="1800" dirty="0" smtClean="0">
+                <a:solidFill>
+                  <a:srgbClr val="7030A0"/>
+                </a:solidFill>
+              </a:rPr>
+              <a:t>(SQC) </a:t>
+            </a:r>
+            <a:r>
+              <a:rPr lang="en-US" altLang="zh-CN" sz="1800" dirty="0" smtClean="0"/>
+              <a:t>is </a:t>
+            </a:r>
+            <a:r>
+              <a:rPr lang="en-US" altLang="zh-CN" sz="1800" dirty="0"/>
+              <a:t>the set of procedures used by organizations to ensure that a software product will meet its quality goals at the best value to the customer, and to continually improve the organization's ability to produce </a:t>
+            </a:r>
+            <a:r>
+              <a:rPr lang="en-US" altLang="zh-CN" sz="1800" dirty="0" smtClean="0"/>
+              <a:t>software </a:t>
+            </a:r>
+            <a:r>
+              <a:rPr lang="en-US" altLang="zh-CN" sz="1800" dirty="0"/>
+              <a:t>products in the future</a:t>
+            </a:r>
+            <a:r>
+              <a:rPr lang="en-US" altLang="zh-CN" sz="1800" dirty="0" smtClean="0"/>
+              <a:t>.</a:t>
+            </a:r>
+          </a:p>
+          <a:p>
+            <a:pPr lvl="2"/>
+            <a:r>
+              <a:rPr lang="en-US" altLang="zh-CN" sz="1500" dirty="0" smtClean="0"/>
+              <a:t>Scientific methods for measuring the status of quality</a:t>
+            </a:r>
+          </a:p>
+          <a:p>
+            <a:pPr lvl="1"/>
+            <a:r>
+              <a:rPr lang="en-US" altLang="zh-CN" sz="1800" dirty="0" smtClean="0">
+                <a:solidFill>
+                  <a:srgbClr val="7030A0"/>
+                </a:solidFill>
+              </a:rPr>
+              <a:t>Software Quality Assurance </a:t>
+            </a:r>
+            <a:r>
+              <a:rPr lang="en-US" altLang="zh-CN" sz="1800" dirty="0">
+                <a:solidFill>
+                  <a:srgbClr val="7030A0"/>
+                </a:solidFill>
+              </a:rPr>
+              <a:t>(SQA) </a:t>
+            </a:r>
+            <a:r>
+              <a:rPr lang="en-US" altLang="zh-CN" sz="1800" dirty="0"/>
+              <a:t>is a process that ensures that developed software meets and complies with defined or standardized quality specifications. SQA is an ongoing process within the software development life cycle </a:t>
+            </a:r>
+            <a:r>
+              <a:rPr lang="en-US" altLang="zh-CN" sz="1800" dirty="0" smtClean="0"/>
+              <a:t>that </a:t>
+            </a:r>
+            <a:r>
+              <a:rPr lang="en-US" altLang="zh-CN" sz="1800" dirty="0"/>
+              <a:t>routinely checks the developed software to ensure it meets desired quality measures</a:t>
+            </a:r>
+            <a:r>
+              <a:rPr lang="en-US" altLang="zh-CN" sz="1800" dirty="0" smtClean="0"/>
+              <a:t>.</a:t>
+            </a:r>
+          </a:p>
+          <a:p>
+            <a:pPr lvl="2"/>
+            <a:r>
+              <a:rPr lang="en-US" altLang="zh-CN" sz="1500" dirty="0" smtClean="0"/>
+              <a:t>A set of quality specifications.</a:t>
+            </a:r>
+          </a:p>
+          <a:p>
+            <a:pPr lvl="1"/>
+            <a:r>
+              <a:rPr lang="en-US" altLang="zh-CN" sz="1800" dirty="0"/>
+              <a:t>The aim of </a:t>
+            </a:r>
+            <a:r>
+              <a:rPr lang="en-US" altLang="zh-CN" sz="1800" dirty="0">
+                <a:solidFill>
+                  <a:srgbClr val="7030A0"/>
+                </a:solidFill>
+              </a:rPr>
+              <a:t>Software Quality Management (SQM) </a:t>
+            </a:r>
+            <a:r>
+              <a:rPr lang="en-US" altLang="zh-CN" sz="1800" dirty="0"/>
+              <a:t>is to manage the quality of software and of its development process.</a:t>
+            </a:r>
+            <a:endParaRPr lang="zh-CN" altLang="en-US" sz="1800" dirty="0"/>
           </a:p>
         </p:txBody>
       </p:sp>
@@ -8115,12 +8205,14 @@
         </p:nvSpPr>
         <p:spPr/>
         <p:txBody>
-          <a:bodyPr/>
+          <a:bodyPr>
+            <a:normAutofit fontScale="90000"/>
+          </a:bodyPr>
           <a:lstStyle/>
           <a:p>
             <a:r>
               <a:rPr lang="en-US" altLang="zh-CN" dirty="0" smtClean="0"/>
-              <a:t>Conclusion</a:t>
+              <a:t>Software Quality in Organization</a:t>
             </a:r>
             <a:endParaRPr lang="zh-CN" altLang="en-US" dirty="0"/>
           </a:p>
@@ -8129,7 +8221,1116 @@
     </p:spTree>
     <p:extLst>
       <p:ext uri="{BB962C8B-B14F-4D97-AF65-F5344CB8AC3E}">
-        <p14:creationId xmlns:p14="http://schemas.microsoft.com/office/powerpoint/2010/main" val="2640417027"/>
+        <p14:creationId xmlns:p14="http://schemas.microsoft.com/office/powerpoint/2010/main" val="278689857"/>
+      </p:ext>
+    </p:extLst>
+  </p:cSld>
+  <p:clrMapOvr>
+    <a:masterClrMapping/>
+  </p:clrMapOvr>
+</p:sld>
+</file>
+
+<file path=ppt/slides/slide26.xml><?xml version="1.0" encoding="utf-8"?>
+<p:sld xmlns:a="http://schemas.openxmlformats.org/drawingml/2006/main" xmlns:r="http://schemas.openxmlformats.org/officeDocument/2006/relationships" xmlns:p="http://schemas.openxmlformats.org/presentationml/2006/main">
+  <p:cSld>
+    <p:spTree>
+      <p:nvGrpSpPr>
+        <p:cNvPr id="1" name=""/>
+        <p:cNvGrpSpPr/>
+        <p:nvPr/>
+      </p:nvGrpSpPr>
+      <p:grpSpPr>
+        <a:xfrm>
+          <a:off x="0" y="0"/>
+          <a:ext cx="0" cy="0"/>
+          <a:chOff x="0" y="0"/>
+          <a:chExt cx="0" cy="0"/>
+        </a:xfrm>
+      </p:grpSpPr>
+      <p:sp>
+        <p:nvSpPr>
+          <p:cNvPr id="3" name="标题 2"/>
+          <p:cNvSpPr>
+            <a:spLocks noGrp="1"/>
+          </p:cNvSpPr>
+          <p:nvPr>
+            <p:ph type="title"/>
+          </p:nvPr>
+        </p:nvSpPr>
+        <p:spPr>
+          <a:xfrm>
+            <a:off x="762000" y="-27384"/>
+            <a:ext cx="8001000" cy="1143000"/>
+          </a:xfrm>
+        </p:spPr>
+        <p:txBody>
+          <a:bodyPr>
+            <a:normAutofit/>
+          </a:bodyPr>
+          <a:lstStyle/>
+          <a:p>
+            <a:r>
+              <a:rPr lang="en-US" altLang="zh-CN" sz="3600" dirty="0"/>
+              <a:t>Organizational </a:t>
+            </a:r>
+            <a:r>
+              <a:rPr lang="en-US" altLang="zh-CN" sz="3600" dirty="0" smtClean="0"/>
+              <a:t>Guarantee for Quality</a:t>
+            </a:r>
+            <a:endParaRPr lang="zh-CN" altLang="en-US" sz="3600" dirty="0"/>
+          </a:p>
+        </p:txBody>
+      </p:sp>
+      <p:sp>
+        <p:nvSpPr>
+          <p:cNvPr id="4" name="圆角矩形 3"/>
+          <p:cNvSpPr/>
+          <p:nvPr/>
+        </p:nvSpPr>
+        <p:spPr>
+          <a:xfrm>
+            <a:off x="3707904" y="1700807"/>
+            <a:ext cx="1872208" cy="720080"/>
+          </a:xfrm>
+          <a:prstGeom prst="roundRect">
+            <a:avLst/>
+          </a:prstGeom>
+        </p:spPr>
+        <p:style>
+          <a:lnRef idx="1">
+            <a:schemeClr val="accent1"/>
+          </a:lnRef>
+          <a:fillRef idx="2">
+            <a:schemeClr val="accent1"/>
+          </a:fillRef>
+          <a:effectRef idx="1">
+            <a:schemeClr val="accent1"/>
+          </a:effectRef>
+          <a:fontRef idx="minor">
+            <a:schemeClr val="dk1"/>
+          </a:fontRef>
+        </p:style>
+        <p:txBody>
+          <a:bodyPr rtlCol="0" anchor="ctr"/>
+          <a:lstStyle/>
+          <a:p>
+            <a:pPr algn="ctr"/>
+            <a:r>
+              <a:rPr lang="en-US" altLang="zh-CN" dirty="0" smtClean="0"/>
+              <a:t>Management Level</a:t>
+            </a:r>
+            <a:endParaRPr lang="zh-CN" altLang="en-US" dirty="0"/>
+          </a:p>
+        </p:txBody>
+      </p:sp>
+      <p:sp>
+        <p:nvSpPr>
+          <p:cNvPr id="8" name="矩形 7"/>
+          <p:cNvSpPr/>
+          <p:nvPr/>
+        </p:nvSpPr>
+        <p:spPr>
+          <a:xfrm>
+            <a:off x="2771800" y="2708919"/>
+            <a:ext cx="3672408" cy="1944216"/>
+          </a:xfrm>
+          <a:prstGeom prst="rect">
+            <a:avLst/>
+          </a:prstGeom>
+        </p:spPr>
+        <p:style>
+          <a:lnRef idx="1">
+            <a:schemeClr val="accent2"/>
+          </a:lnRef>
+          <a:fillRef idx="2">
+            <a:schemeClr val="accent2"/>
+          </a:fillRef>
+          <a:effectRef idx="1">
+            <a:schemeClr val="accent2"/>
+          </a:effectRef>
+          <a:fontRef idx="minor">
+            <a:schemeClr val="dk1"/>
+          </a:fontRef>
+        </p:style>
+        <p:txBody>
+          <a:bodyPr rtlCol="0" anchor="b"/>
+          <a:lstStyle/>
+          <a:p>
+            <a:pPr algn="r"/>
+            <a:r>
+              <a:rPr lang="en-US" altLang="zh-CN" dirty="0" smtClean="0"/>
+              <a:t>Project Team</a:t>
+            </a:r>
+            <a:endParaRPr lang="zh-CN" altLang="en-US" dirty="0"/>
+          </a:p>
+        </p:txBody>
+      </p:sp>
+      <p:sp>
+        <p:nvSpPr>
+          <p:cNvPr id="5" name="圆角矩形 4"/>
+          <p:cNvSpPr/>
+          <p:nvPr/>
+        </p:nvSpPr>
+        <p:spPr>
+          <a:xfrm>
+            <a:off x="3707904" y="2885727"/>
+            <a:ext cx="1872208" cy="720080"/>
+          </a:xfrm>
+          <a:prstGeom prst="roundRect">
+            <a:avLst/>
+          </a:prstGeom>
+        </p:spPr>
+        <p:style>
+          <a:lnRef idx="1">
+            <a:schemeClr val="accent1"/>
+          </a:lnRef>
+          <a:fillRef idx="2">
+            <a:schemeClr val="accent1"/>
+          </a:fillRef>
+          <a:effectRef idx="1">
+            <a:schemeClr val="accent1"/>
+          </a:effectRef>
+          <a:fontRef idx="minor">
+            <a:schemeClr val="dk1"/>
+          </a:fontRef>
+        </p:style>
+        <p:txBody>
+          <a:bodyPr rtlCol="0" anchor="ctr"/>
+          <a:lstStyle/>
+          <a:p>
+            <a:pPr algn="ctr"/>
+            <a:r>
+              <a:rPr lang="en-US" altLang="zh-CN" dirty="0" smtClean="0"/>
+              <a:t>Test Team</a:t>
+            </a:r>
+            <a:endParaRPr lang="zh-CN" altLang="en-US" dirty="0"/>
+          </a:p>
+        </p:txBody>
+      </p:sp>
+      <p:cxnSp>
+        <p:nvCxnSpPr>
+          <p:cNvPr id="7" name="直接箭头连接符 6"/>
+          <p:cNvCxnSpPr>
+            <a:stCxn id="4" idx="2"/>
+            <a:endCxn id="5" idx="0"/>
+          </p:cNvCxnSpPr>
+          <p:nvPr/>
+        </p:nvCxnSpPr>
+        <p:spPr>
+          <a:xfrm>
+            <a:off x="4644008" y="2420887"/>
+            <a:ext cx="0" cy="464840"/>
+          </a:xfrm>
+          <a:prstGeom prst="straightConnector1">
+            <a:avLst/>
+          </a:prstGeom>
+          <a:ln>
+            <a:tailEnd type="triangle"/>
+          </a:ln>
+        </p:spPr>
+        <p:style>
+          <a:lnRef idx="1">
+            <a:schemeClr val="dk1"/>
+          </a:lnRef>
+          <a:fillRef idx="0">
+            <a:schemeClr val="dk1"/>
+          </a:fillRef>
+          <a:effectRef idx="0">
+            <a:schemeClr val="dk1"/>
+          </a:effectRef>
+          <a:fontRef idx="minor">
+            <a:schemeClr val="tx1"/>
+          </a:fontRef>
+        </p:style>
+      </p:cxnSp>
+      <p:sp>
+        <p:nvSpPr>
+          <p:cNvPr id="9" name="圆角矩形 8"/>
+          <p:cNvSpPr/>
+          <p:nvPr/>
+        </p:nvSpPr>
+        <p:spPr>
+          <a:xfrm>
+            <a:off x="611560" y="2852935"/>
+            <a:ext cx="1872208" cy="720080"/>
+          </a:xfrm>
+          <a:prstGeom prst="roundRect">
+            <a:avLst/>
+          </a:prstGeom>
+        </p:spPr>
+        <p:style>
+          <a:lnRef idx="1">
+            <a:schemeClr val="accent1"/>
+          </a:lnRef>
+          <a:fillRef idx="2">
+            <a:schemeClr val="accent1"/>
+          </a:fillRef>
+          <a:effectRef idx="1">
+            <a:schemeClr val="accent1"/>
+          </a:effectRef>
+          <a:fontRef idx="minor">
+            <a:schemeClr val="dk1"/>
+          </a:fontRef>
+        </p:style>
+        <p:txBody>
+          <a:bodyPr rtlCol="0" anchor="ctr"/>
+          <a:lstStyle/>
+          <a:p>
+            <a:pPr algn="ctr"/>
+            <a:r>
+              <a:rPr lang="en-US" altLang="zh-CN" dirty="0" smtClean="0"/>
+              <a:t>SPEG Group</a:t>
+            </a:r>
+            <a:endParaRPr lang="zh-CN" altLang="en-US" dirty="0"/>
+          </a:p>
+        </p:txBody>
+      </p:sp>
+      <p:sp>
+        <p:nvSpPr>
+          <p:cNvPr id="10" name="圆角矩形 9"/>
+          <p:cNvSpPr/>
+          <p:nvPr/>
+        </p:nvSpPr>
+        <p:spPr>
+          <a:xfrm>
+            <a:off x="6890792" y="2852935"/>
+            <a:ext cx="1872208" cy="720080"/>
+          </a:xfrm>
+          <a:prstGeom prst="roundRect">
+            <a:avLst/>
+          </a:prstGeom>
+        </p:spPr>
+        <p:style>
+          <a:lnRef idx="1">
+            <a:schemeClr val="accent1"/>
+          </a:lnRef>
+          <a:fillRef idx="2">
+            <a:schemeClr val="accent1"/>
+          </a:fillRef>
+          <a:effectRef idx="1">
+            <a:schemeClr val="accent1"/>
+          </a:effectRef>
+          <a:fontRef idx="minor">
+            <a:schemeClr val="dk1"/>
+          </a:fontRef>
+        </p:style>
+        <p:txBody>
+          <a:bodyPr rtlCol="0" anchor="ctr"/>
+          <a:lstStyle/>
+          <a:p>
+            <a:pPr algn="ctr"/>
+            <a:r>
+              <a:rPr lang="en-US" altLang="zh-CN" dirty="0" smtClean="0"/>
+              <a:t>SQA Group</a:t>
+            </a:r>
+            <a:endParaRPr lang="zh-CN" altLang="en-US" dirty="0"/>
+          </a:p>
+        </p:txBody>
+      </p:sp>
+      <p:cxnSp>
+        <p:nvCxnSpPr>
+          <p:cNvPr id="11" name="直接箭头连接符 10"/>
+          <p:cNvCxnSpPr>
+            <a:stCxn id="9" idx="3"/>
+          </p:cNvCxnSpPr>
+          <p:nvPr/>
+        </p:nvCxnSpPr>
+        <p:spPr>
+          <a:xfrm>
+            <a:off x="2483768" y="3212975"/>
+            <a:ext cx="288032" cy="0"/>
+          </a:xfrm>
+          <a:prstGeom prst="straightConnector1">
+            <a:avLst/>
+          </a:prstGeom>
+          <a:ln>
+            <a:tailEnd type="triangle"/>
+          </a:ln>
+        </p:spPr>
+        <p:style>
+          <a:lnRef idx="1">
+            <a:schemeClr val="dk1"/>
+          </a:lnRef>
+          <a:fillRef idx="0">
+            <a:schemeClr val="dk1"/>
+          </a:fillRef>
+          <a:effectRef idx="0">
+            <a:schemeClr val="dk1"/>
+          </a:effectRef>
+          <a:fontRef idx="minor">
+            <a:schemeClr val="tx1"/>
+          </a:fontRef>
+        </p:style>
+      </p:cxnSp>
+      <p:cxnSp>
+        <p:nvCxnSpPr>
+          <p:cNvPr id="14" name="直接箭头连接符 13"/>
+          <p:cNvCxnSpPr>
+            <a:stCxn id="10" idx="1"/>
+          </p:cNvCxnSpPr>
+          <p:nvPr/>
+        </p:nvCxnSpPr>
+        <p:spPr>
+          <a:xfrm flipH="1">
+            <a:off x="6444208" y="3212975"/>
+            <a:ext cx="446584" cy="0"/>
+          </a:xfrm>
+          <a:prstGeom prst="straightConnector1">
+            <a:avLst/>
+          </a:prstGeom>
+          <a:ln>
+            <a:tailEnd type="triangle"/>
+          </a:ln>
+        </p:spPr>
+        <p:style>
+          <a:lnRef idx="1">
+            <a:schemeClr val="dk1"/>
+          </a:lnRef>
+          <a:fillRef idx="0">
+            <a:schemeClr val="dk1"/>
+          </a:fillRef>
+          <a:effectRef idx="0">
+            <a:schemeClr val="dk1"/>
+          </a:effectRef>
+          <a:fontRef idx="minor">
+            <a:schemeClr val="tx1"/>
+          </a:fontRef>
+        </p:style>
+      </p:cxnSp>
+      <p:sp>
+        <p:nvSpPr>
+          <p:cNvPr id="19" name="椭圆形标注 18"/>
+          <p:cNvSpPr/>
+          <p:nvPr/>
+        </p:nvSpPr>
+        <p:spPr>
+          <a:xfrm>
+            <a:off x="6084168" y="1268760"/>
+            <a:ext cx="1872208" cy="1080119"/>
+          </a:xfrm>
+          <a:prstGeom prst="wedgeEllipseCallout">
+            <a:avLst>
+              <a:gd name="adj1" fmla="val -76175"/>
+              <a:gd name="adj2" fmla="val 41817"/>
+            </a:avLst>
+          </a:prstGeom>
+        </p:spPr>
+        <p:style>
+          <a:lnRef idx="1">
+            <a:schemeClr val="accent3"/>
+          </a:lnRef>
+          <a:fillRef idx="2">
+            <a:schemeClr val="accent3"/>
+          </a:fillRef>
+          <a:effectRef idx="1">
+            <a:schemeClr val="accent3"/>
+          </a:effectRef>
+          <a:fontRef idx="minor">
+            <a:schemeClr val="dk1"/>
+          </a:fontRef>
+        </p:style>
+        <p:txBody>
+          <a:bodyPr rtlCol="0" anchor="ctr"/>
+          <a:lstStyle/>
+          <a:p>
+            <a:pPr algn="ctr"/>
+            <a:r>
+              <a:rPr lang="en-US" altLang="zh-CN" sz="1400" dirty="0"/>
+              <a:t>Has a strong sense of </a:t>
+            </a:r>
+            <a:r>
+              <a:rPr lang="zh-CN" altLang="en-US" sz="1400" dirty="0" smtClean="0"/>
+              <a:t>‘</a:t>
+            </a:r>
+            <a:r>
+              <a:rPr lang="en-US" altLang="zh-CN" sz="1400" dirty="0"/>
+              <a:t>quality </a:t>
+            </a:r>
+            <a:r>
+              <a:rPr lang="en-US" altLang="zh-CN" sz="1400" dirty="0" smtClean="0"/>
+              <a:t>first</a:t>
+            </a:r>
+            <a:r>
+              <a:rPr lang="zh-CN" altLang="en-US" sz="1400" dirty="0" smtClean="0"/>
+              <a:t>’</a:t>
+            </a:r>
+            <a:endParaRPr lang="zh-CN" altLang="en-US" sz="1400" dirty="0"/>
+          </a:p>
+        </p:txBody>
+      </p:sp>
+      <p:sp>
+        <p:nvSpPr>
+          <p:cNvPr id="20" name="椭圆形标注 19"/>
+          <p:cNvSpPr/>
+          <p:nvPr/>
+        </p:nvSpPr>
+        <p:spPr>
+          <a:xfrm>
+            <a:off x="6890792" y="4001851"/>
+            <a:ext cx="1872208" cy="1080119"/>
+          </a:xfrm>
+          <a:prstGeom prst="wedgeEllipseCallout">
+            <a:avLst>
+              <a:gd name="adj1" fmla="val -16789"/>
+              <a:gd name="adj2" fmla="val -89979"/>
+            </a:avLst>
+          </a:prstGeom>
+        </p:spPr>
+        <p:style>
+          <a:lnRef idx="1">
+            <a:schemeClr val="accent3"/>
+          </a:lnRef>
+          <a:fillRef idx="2">
+            <a:schemeClr val="accent3"/>
+          </a:fillRef>
+          <a:effectRef idx="1">
+            <a:schemeClr val="accent3"/>
+          </a:effectRef>
+          <a:fontRef idx="minor">
+            <a:schemeClr val="dk1"/>
+          </a:fontRef>
+        </p:style>
+        <p:txBody>
+          <a:bodyPr rtlCol="0" anchor="ctr"/>
+          <a:lstStyle/>
+          <a:p>
+            <a:pPr algn="ctr"/>
+            <a:r>
+              <a:rPr lang="en-US" altLang="zh-CN" sz="1400" dirty="0" smtClean="0"/>
+              <a:t>Track, control, improve quality from process</a:t>
+            </a:r>
+            <a:endParaRPr lang="zh-CN" altLang="en-US" sz="1400" dirty="0"/>
+          </a:p>
+        </p:txBody>
+      </p:sp>
+      <p:sp>
+        <p:nvSpPr>
+          <p:cNvPr id="21" name="椭圆形标注 20"/>
+          <p:cNvSpPr/>
+          <p:nvPr/>
+        </p:nvSpPr>
+        <p:spPr>
+          <a:xfrm>
+            <a:off x="2797680" y="4109862"/>
+            <a:ext cx="2160240" cy="972107"/>
+          </a:xfrm>
+          <a:prstGeom prst="wedgeEllipseCallout">
+            <a:avLst>
+              <a:gd name="adj1" fmla="val 31793"/>
+              <a:gd name="adj2" fmla="val -102271"/>
+            </a:avLst>
+          </a:prstGeom>
+        </p:spPr>
+        <p:style>
+          <a:lnRef idx="1">
+            <a:schemeClr val="accent3"/>
+          </a:lnRef>
+          <a:fillRef idx="2">
+            <a:schemeClr val="accent3"/>
+          </a:fillRef>
+          <a:effectRef idx="1">
+            <a:schemeClr val="accent3"/>
+          </a:effectRef>
+          <a:fontRef idx="minor">
+            <a:schemeClr val="dk1"/>
+          </a:fontRef>
+        </p:style>
+        <p:txBody>
+          <a:bodyPr rtlCol="0" anchor="ctr"/>
+          <a:lstStyle/>
+          <a:p>
+            <a:pPr algn="ctr"/>
+            <a:r>
+              <a:rPr lang="en-US" altLang="zh-CN" sz="1400" dirty="0"/>
+              <a:t>conduct a comprehensive in-depth test</a:t>
+            </a:r>
+            <a:endParaRPr lang="zh-CN" altLang="en-US" sz="1400" dirty="0"/>
+          </a:p>
+        </p:txBody>
+      </p:sp>
+      <p:sp>
+        <p:nvSpPr>
+          <p:cNvPr id="23" name="椭圆形标注 22"/>
+          <p:cNvSpPr/>
+          <p:nvPr/>
+        </p:nvSpPr>
+        <p:spPr>
+          <a:xfrm>
+            <a:off x="467544" y="4650040"/>
+            <a:ext cx="2513856" cy="972107"/>
+          </a:xfrm>
+          <a:prstGeom prst="wedgeEllipseCallout">
+            <a:avLst>
+              <a:gd name="adj1" fmla="val -12941"/>
+              <a:gd name="adj2" fmla="val -157855"/>
+            </a:avLst>
+          </a:prstGeom>
+        </p:spPr>
+        <p:style>
+          <a:lnRef idx="1">
+            <a:schemeClr val="accent3"/>
+          </a:lnRef>
+          <a:fillRef idx="2">
+            <a:schemeClr val="accent3"/>
+          </a:fillRef>
+          <a:effectRef idx="1">
+            <a:schemeClr val="accent3"/>
+          </a:effectRef>
+          <a:fontRef idx="minor">
+            <a:schemeClr val="dk1"/>
+          </a:fontRef>
+        </p:style>
+        <p:txBody>
+          <a:bodyPr rtlCol="0" anchor="ctr"/>
+          <a:lstStyle/>
+          <a:p>
+            <a:pPr algn="ctr"/>
+            <a:r>
+              <a:rPr lang="en-US" altLang="zh-CN" sz="1400" dirty="0"/>
+              <a:t>Promote enterprise process definition, maintenance and improvement.</a:t>
+            </a:r>
+            <a:endParaRPr lang="zh-CN" altLang="en-US" sz="1400" dirty="0"/>
+          </a:p>
+        </p:txBody>
+      </p:sp>
+    </p:spTree>
+    <p:extLst>
+      <p:ext uri="{BB962C8B-B14F-4D97-AF65-F5344CB8AC3E}">
+        <p14:creationId xmlns:p14="http://schemas.microsoft.com/office/powerpoint/2010/main" val="377043202"/>
+      </p:ext>
+    </p:extLst>
+  </p:cSld>
+  <p:clrMapOvr>
+    <a:masterClrMapping/>
+  </p:clrMapOvr>
+</p:sld>
+</file>
+
+<file path=ppt/slides/slide27.xml><?xml version="1.0" encoding="utf-8"?>
+<p:sld xmlns:a="http://schemas.openxmlformats.org/drawingml/2006/main" xmlns:r="http://schemas.openxmlformats.org/officeDocument/2006/relationships" xmlns:p="http://schemas.openxmlformats.org/presentationml/2006/main">
+  <p:cSld>
+    <p:spTree>
+      <p:nvGrpSpPr>
+        <p:cNvPr id="1" name=""/>
+        <p:cNvGrpSpPr/>
+        <p:nvPr/>
+      </p:nvGrpSpPr>
+      <p:grpSpPr>
+        <a:xfrm>
+          <a:off x="0" y="0"/>
+          <a:ext cx="0" cy="0"/>
+          <a:chOff x="0" y="0"/>
+          <a:chExt cx="0" cy="0"/>
+        </a:xfrm>
+      </p:grpSpPr>
+      <p:sp>
+        <p:nvSpPr>
+          <p:cNvPr id="2" name="内容占位符 1"/>
+          <p:cNvSpPr>
+            <a:spLocks noGrp="1"/>
+          </p:cNvSpPr>
+          <p:nvPr>
+            <p:ph sz="quarter" idx="1"/>
+          </p:nvPr>
+        </p:nvSpPr>
+        <p:spPr/>
+        <p:txBody>
+          <a:bodyPr>
+            <a:normAutofit fontScale="85000" lnSpcReduction="10000"/>
+          </a:bodyPr>
+          <a:lstStyle/>
+          <a:p>
+            <a:r>
+              <a:rPr lang="en-US" altLang="zh-CN" sz="1800" dirty="0"/>
+              <a:t>A </a:t>
+            </a:r>
+            <a:r>
+              <a:rPr lang="en-US" altLang="zh-CN" sz="1800" u="sng" dirty="0">
+                <a:solidFill>
+                  <a:srgbClr val="7030A0"/>
+                </a:solidFill>
+              </a:rPr>
+              <a:t>Software Engineering Process Group (SEPG) </a:t>
+            </a:r>
+            <a:r>
+              <a:rPr lang="en-US" altLang="zh-CN" sz="1800" dirty="0"/>
+              <a:t>is an organization's focal point for software process improvement activities. These individuals perform assessments of organizational capability, develop plans to implement needed improvements, coordinate the implementation of those plans, and measure the effectiveness of these </a:t>
+            </a:r>
+            <a:r>
+              <a:rPr lang="en-US" altLang="zh-CN" sz="1800" dirty="0" smtClean="0"/>
+              <a:t>efforts.</a:t>
+            </a:r>
+          </a:p>
+          <a:p>
+            <a:pPr lvl="1"/>
+            <a:r>
+              <a:rPr lang="en-US" altLang="zh-CN" sz="1500" dirty="0" smtClean="0"/>
+              <a:t>Obtains </a:t>
+            </a:r>
+            <a:r>
+              <a:rPr lang="en-US" altLang="zh-CN" sz="1500" dirty="0"/>
+              <a:t>and maintains the support of all levels of </a:t>
+            </a:r>
+            <a:r>
+              <a:rPr lang="en-US" altLang="zh-CN" sz="1500" dirty="0" smtClean="0"/>
+              <a:t>management.</a:t>
+            </a:r>
+          </a:p>
+          <a:p>
+            <a:pPr lvl="1"/>
+            <a:r>
+              <a:rPr lang="en-US" altLang="zh-CN" sz="1800" dirty="0" smtClean="0"/>
+              <a:t>Facilitates </a:t>
+            </a:r>
+            <a:r>
+              <a:rPr lang="en-US" altLang="zh-CN" sz="1800" dirty="0"/>
+              <a:t>software process </a:t>
+            </a:r>
+            <a:r>
+              <a:rPr lang="en-US" altLang="zh-CN" sz="1800" dirty="0" smtClean="0"/>
+              <a:t>assessments.</a:t>
+            </a:r>
+          </a:p>
+          <a:p>
+            <a:pPr lvl="1"/>
+            <a:r>
+              <a:rPr lang="en-US" altLang="zh-CN" sz="1800" dirty="0" smtClean="0"/>
+              <a:t>Works </a:t>
+            </a:r>
+            <a:r>
+              <a:rPr lang="en-US" altLang="zh-CN" sz="1800" dirty="0"/>
+              <a:t>with line managers whose projects are affected by changes in software engineering practice, providing a broad perspective of the improvement effort and helping them set </a:t>
+            </a:r>
+            <a:r>
+              <a:rPr lang="en-US" altLang="zh-CN" sz="1800" dirty="0" smtClean="0"/>
+              <a:t>expectations.</a:t>
+            </a:r>
+          </a:p>
+          <a:p>
+            <a:pPr lvl="1"/>
+            <a:r>
+              <a:rPr lang="en-US" altLang="zh-CN" sz="1800" dirty="0" smtClean="0"/>
+              <a:t>Maintains </a:t>
+            </a:r>
+            <a:r>
+              <a:rPr lang="en-US" altLang="zh-CN" sz="1800" dirty="0"/>
+              <a:t>collaborative working relationships with software engineers, especially to obtain, plan for, and install new practices and </a:t>
+            </a:r>
+            <a:r>
+              <a:rPr lang="en-US" altLang="zh-CN" sz="1800" dirty="0" smtClean="0"/>
+              <a:t>technologies.</a:t>
+            </a:r>
+          </a:p>
+          <a:p>
+            <a:pPr lvl="1"/>
+            <a:r>
+              <a:rPr lang="en-US" altLang="zh-CN" sz="1800" dirty="0" smtClean="0"/>
+              <a:t>Arranges </a:t>
+            </a:r>
+            <a:r>
+              <a:rPr lang="en-US" altLang="zh-CN" sz="1800" dirty="0"/>
+              <a:t>for any training or continuing education related to process </a:t>
+            </a:r>
+            <a:r>
+              <a:rPr lang="en-US" altLang="zh-CN" sz="1800" dirty="0" smtClean="0"/>
+              <a:t>improvements.</a:t>
+            </a:r>
+          </a:p>
+          <a:p>
+            <a:pPr lvl="1"/>
+            <a:r>
+              <a:rPr lang="en-US" altLang="zh-CN" sz="1800" dirty="0" smtClean="0"/>
+              <a:t>Tracks</a:t>
+            </a:r>
+            <a:r>
+              <a:rPr lang="en-US" altLang="zh-CN" sz="1800" dirty="0"/>
+              <a:t>, monitors, and reports on the status of particular improvement </a:t>
+            </a:r>
+            <a:r>
+              <a:rPr lang="en-US" altLang="zh-CN" sz="1800" dirty="0" smtClean="0"/>
+              <a:t>efforts.</a:t>
+            </a:r>
+          </a:p>
+          <a:p>
+            <a:pPr lvl="1"/>
+            <a:r>
+              <a:rPr lang="en-US" altLang="zh-CN" sz="1800" dirty="0" smtClean="0"/>
+              <a:t>Facilitates </a:t>
+            </a:r>
+            <a:r>
+              <a:rPr lang="en-US" altLang="zh-CN" sz="1800" dirty="0"/>
+              <a:t>the creation and maintenance of process definitions, in collaboration with managers and engineering </a:t>
+            </a:r>
+            <a:r>
+              <a:rPr lang="en-US" altLang="zh-CN" sz="1800" dirty="0" smtClean="0"/>
+              <a:t>staff.</a:t>
+            </a:r>
+          </a:p>
+          <a:p>
+            <a:pPr lvl="1"/>
+            <a:r>
+              <a:rPr lang="en-US" altLang="zh-CN" sz="1800" dirty="0" smtClean="0"/>
+              <a:t>Maintains </a:t>
+            </a:r>
+            <a:r>
+              <a:rPr lang="en-US" altLang="zh-CN" sz="1800" dirty="0"/>
+              <a:t>a process </a:t>
+            </a:r>
+            <a:r>
+              <a:rPr lang="en-US" altLang="zh-CN" sz="1800" dirty="0" smtClean="0"/>
+              <a:t>database.</a:t>
+            </a:r>
+          </a:p>
+          <a:p>
+            <a:pPr lvl="1"/>
+            <a:r>
+              <a:rPr lang="en-US" altLang="zh-CN" sz="1800" dirty="0" smtClean="0"/>
+              <a:t>Provides </a:t>
+            </a:r>
+            <a:r>
+              <a:rPr lang="en-US" altLang="zh-CN" sz="1800" dirty="0"/>
+              <a:t>process consultation to development projects and management.</a:t>
+            </a:r>
+          </a:p>
+          <a:p>
+            <a:endParaRPr lang="zh-CN" altLang="en-US" sz="1800" dirty="0"/>
+          </a:p>
+        </p:txBody>
+      </p:sp>
+      <p:sp>
+        <p:nvSpPr>
+          <p:cNvPr id="3" name="标题 2"/>
+          <p:cNvSpPr>
+            <a:spLocks noGrp="1"/>
+          </p:cNvSpPr>
+          <p:nvPr>
+            <p:ph type="title"/>
+          </p:nvPr>
+        </p:nvSpPr>
+        <p:spPr/>
+        <p:txBody>
+          <a:bodyPr/>
+          <a:lstStyle/>
+          <a:p>
+            <a:r>
+              <a:rPr lang="en-US" altLang="zh-CN" dirty="0" smtClean="0"/>
+              <a:t>SPEG</a:t>
+            </a:r>
+            <a:endParaRPr lang="zh-CN" altLang="en-US" dirty="0"/>
+          </a:p>
+        </p:txBody>
+      </p:sp>
+    </p:spTree>
+    <p:extLst>
+      <p:ext uri="{BB962C8B-B14F-4D97-AF65-F5344CB8AC3E}">
+        <p14:creationId xmlns:p14="http://schemas.microsoft.com/office/powerpoint/2010/main" val="2912746225"/>
+      </p:ext>
+    </p:extLst>
+  </p:cSld>
+  <p:clrMapOvr>
+    <a:masterClrMapping/>
+  </p:clrMapOvr>
+</p:sld>
+</file>
+
+<file path=ppt/slides/slide28.xml><?xml version="1.0" encoding="utf-8"?>
+<p:sld xmlns:a="http://schemas.openxmlformats.org/drawingml/2006/main" xmlns:r="http://schemas.openxmlformats.org/officeDocument/2006/relationships" xmlns:p="http://schemas.openxmlformats.org/presentationml/2006/main">
+  <p:cSld>
+    <p:spTree>
+      <p:nvGrpSpPr>
+        <p:cNvPr id="1" name=""/>
+        <p:cNvGrpSpPr/>
+        <p:nvPr/>
+      </p:nvGrpSpPr>
+      <p:grpSpPr>
+        <a:xfrm>
+          <a:off x="0" y="0"/>
+          <a:ext cx="0" cy="0"/>
+          <a:chOff x="0" y="0"/>
+          <a:chExt cx="0" cy="0"/>
+        </a:xfrm>
+      </p:grpSpPr>
+      <p:sp>
+        <p:nvSpPr>
+          <p:cNvPr id="2" name="内容占位符 1"/>
+          <p:cNvSpPr>
+            <a:spLocks noGrp="1"/>
+          </p:cNvSpPr>
+          <p:nvPr>
+            <p:ph sz="quarter" idx="1"/>
+          </p:nvPr>
+        </p:nvSpPr>
+        <p:spPr/>
+        <p:txBody>
+          <a:bodyPr>
+            <a:normAutofit fontScale="77500" lnSpcReduction="20000"/>
+          </a:bodyPr>
+          <a:lstStyle/>
+          <a:p>
+            <a:r>
+              <a:rPr lang="en-US" altLang="zh-CN" dirty="0"/>
+              <a:t>A software review is "A process or meeting during which a software product is examined by a project personnel, managers, users, customers, user representatives, or other interested parties for comment or </a:t>
+            </a:r>
+            <a:r>
+              <a:rPr lang="en-US" altLang="zh-CN" dirty="0" smtClean="0"/>
+              <a:t>approval“</a:t>
+            </a:r>
+          </a:p>
+          <a:p>
+            <a:pPr lvl="1"/>
+            <a:r>
+              <a:rPr lang="en-US" altLang="zh-CN" dirty="0" smtClean="0">
+                <a:solidFill>
+                  <a:srgbClr val="7030A0"/>
+                </a:solidFill>
+              </a:rPr>
+              <a:t>Software </a:t>
+            </a:r>
+            <a:r>
+              <a:rPr lang="en-US" altLang="zh-CN" dirty="0">
+                <a:solidFill>
+                  <a:srgbClr val="7030A0"/>
+                </a:solidFill>
+              </a:rPr>
+              <a:t>peer reviews </a:t>
+            </a:r>
+            <a:r>
+              <a:rPr lang="en-US" altLang="zh-CN" dirty="0"/>
+              <a:t>are conducted by the author of the work product, or by one or more colleagues of the author, to evaluate the technical content and/or quality of the work</a:t>
+            </a:r>
+            <a:r>
+              <a:rPr lang="en-US" altLang="zh-CN" dirty="0" smtClean="0"/>
+              <a:t>.</a:t>
+            </a:r>
+            <a:endParaRPr lang="en-US" altLang="zh-CN" dirty="0"/>
+          </a:p>
+          <a:p>
+            <a:pPr lvl="1"/>
+            <a:r>
+              <a:rPr lang="en-US" altLang="zh-CN" dirty="0" smtClean="0">
+                <a:solidFill>
+                  <a:srgbClr val="7030A0"/>
+                </a:solidFill>
+              </a:rPr>
+              <a:t>Software </a:t>
+            </a:r>
+            <a:r>
+              <a:rPr lang="en-US" altLang="zh-CN" dirty="0">
+                <a:solidFill>
+                  <a:srgbClr val="7030A0"/>
+                </a:solidFill>
+              </a:rPr>
+              <a:t>management reviews </a:t>
+            </a:r>
+            <a:r>
+              <a:rPr lang="en-US" altLang="zh-CN" dirty="0"/>
+              <a:t>are conducted by management representatives to evaluate the status of work done and to make decisions regarding downstream activities.</a:t>
+            </a:r>
+          </a:p>
+          <a:p>
+            <a:pPr lvl="1"/>
+            <a:r>
+              <a:rPr lang="en-US" altLang="zh-CN" dirty="0" smtClean="0">
+                <a:solidFill>
+                  <a:srgbClr val="7030A0"/>
+                </a:solidFill>
+              </a:rPr>
+              <a:t>Software </a:t>
+            </a:r>
+            <a:r>
+              <a:rPr lang="en-US" altLang="zh-CN" dirty="0">
+                <a:solidFill>
+                  <a:srgbClr val="7030A0"/>
+                </a:solidFill>
+              </a:rPr>
+              <a:t>audit reviews </a:t>
+            </a:r>
+            <a:r>
+              <a:rPr lang="en-US" altLang="zh-CN" dirty="0"/>
+              <a:t>are conducted by personnel external to the software project, to evaluate compliance with specifications, standards, contractual agreements, or other criteria</a:t>
+            </a:r>
+            <a:r>
+              <a:rPr lang="en-US" altLang="zh-CN" dirty="0" smtClean="0"/>
+              <a:t>.</a:t>
+            </a:r>
+            <a:endParaRPr lang="en-US" altLang="zh-CN" dirty="0"/>
+          </a:p>
+        </p:txBody>
+      </p:sp>
+      <p:sp>
+        <p:nvSpPr>
+          <p:cNvPr id="3" name="标题 2"/>
+          <p:cNvSpPr>
+            <a:spLocks noGrp="1"/>
+          </p:cNvSpPr>
+          <p:nvPr>
+            <p:ph type="title"/>
+          </p:nvPr>
+        </p:nvSpPr>
+        <p:spPr/>
+        <p:txBody>
+          <a:bodyPr/>
+          <a:lstStyle/>
+          <a:p>
+            <a:r>
+              <a:rPr lang="en-US" altLang="zh-CN" dirty="0" smtClean="0"/>
+              <a:t>Software Reviews</a:t>
+            </a:r>
+            <a:endParaRPr lang="zh-CN" altLang="en-US" dirty="0"/>
+          </a:p>
+        </p:txBody>
+      </p:sp>
+    </p:spTree>
+    <p:extLst>
+      <p:ext uri="{BB962C8B-B14F-4D97-AF65-F5344CB8AC3E}">
+        <p14:creationId xmlns:p14="http://schemas.microsoft.com/office/powerpoint/2010/main" val="1800618858"/>
+      </p:ext>
+    </p:extLst>
+  </p:cSld>
+  <p:clrMapOvr>
+    <a:masterClrMapping/>
+  </p:clrMapOvr>
+</p:sld>
+</file>
+
+<file path=ppt/slides/slide29.xml><?xml version="1.0" encoding="utf-8"?>
+<p:sld xmlns:a="http://schemas.openxmlformats.org/drawingml/2006/main" xmlns:r="http://schemas.openxmlformats.org/officeDocument/2006/relationships" xmlns:p="http://schemas.openxmlformats.org/presentationml/2006/main">
+  <p:cSld>
+    <p:spTree>
+      <p:nvGrpSpPr>
+        <p:cNvPr id="1" name=""/>
+        <p:cNvGrpSpPr/>
+        <p:nvPr/>
+      </p:nvGrpSpPr>
+      <p:grpSpPr>
+        <a:xfrm>
+          <a:off x="0" y="0"/>
+          <a:ext cx="0" cy="0"/>
+          <a:chOff x="0" y="0"/>
+          <a:chExt cx="0" cy="0"/>
+        </a:xfrm>
+      </p:grpSpPr>
+      <p:sp>
+        <p:nvSpPr>
+          <p:cNvPr id="2" name="内容占位符 1"/>
+          <p:cNvSpPr>
+            <a:spLocks noGrp="1"/>
+          </p:cNvSpPr>
+          <p:nvPr>
+            <p:ph sz="quarter" idx="1"/>
+          </p:nvPr>
+        </p:nvSpPr>
+        <p:spPr/>
+        <p:txBody>
+          <a:bodyPr>
+            <a:normAutofit fontScale="77500" lnSpcReduction="20000"/>
+          </a:bodyPr>
+          <a:lstStyle/>
+          <a:p>
+            <a:r>
+              <a:rPr lang="en-US" altLang="zh-CN" dirty="0">
+                <a:solidFill>
+                  <a:srgbClr val="7030A0"/>
+                </a:solidFill>
+              </a:rPr>
+              <a:t>Code review </a:t>
+            </a:r>
+            <a:r>
+              <a:rPr lang="en-US" altLang="zh-CN" dirty="0"/>
+              <a:t>is systematic examination (often as peer review) of computer source code.</a:t>
+            </a:r>
+          </a:p>
+          <a:p>
+            <a:r>
+              <a:rPr lang="en-US" altLang="zh-CN" dirty="0">
+                <a:solidFill>
+                  <a:srgbClr val="7030A0"/>
+                </a:solidFill>
+              </a:rPr>
+              <a:t>Pair programming </a:t>
+            </a:r>
+            <a:r>
+              <a:rPr lang="en-US" altLang="zh-CN" dirty="0"/>
+              <a:t>is a type of code review where two persons develop code together at the same workstation.</a:t>
+            </a:r>
+          </a:p>
+          <a:p>
+            <a:r>
+              <a:rPr lang="en-US" altLang="zh-CN" dirty="0">
+                <a:solidFill>
+                  <a:srgbClr val="7030A0"/>
+                </a:solidFill>
+              </a:rPr>
+              <a:t>Inspection</a:t>
+            </a:r>
+            <a:r>
+              <a:rPr lang="en-US" altLang="zh-CN" dirty="0"/>
+              <a:t> is a very formal type of peer review where the reviewers are following a well-defined process to find defects.</a:t>
+            </a:r>
+          </a:p>
+          <a:p>
+            <a:r>
+              <a:rPr lang="en-US" altLang="zh-CN" dirty="0">
+                <a:solidFill>
+                  <a:srgbClr val="7030A0"/>
+                </a:solidFill>
+              </a:rPr>
+              <a:t>Walkthrough</a:t>
+            </a:r>
+            <a:r>
+              <a:rPr lang="en-US" altLang="zh-CN" dirty="0"/>
+              <a:t> is a form of peer review where the author leads members of the development team and other interested parties through a software product and the participants ask questions and make comments about defects.</a:t>
+            </a:r>
+          </a:p>
+          <a:p>
+            <a:r>
+              <a:rPr lang="en-US" altLang="zh-CN" dirty="0">
+                <a:solidFill>
+                  <a:srgbClr val="7030A0"/>
+                </a:solidFill>
+              </a:rPr>
+              <a:t>Technical review </a:t>
+            </a:r>
+            <a:r>
+              <a:rPr lang="en-US" altLang="zh-CN" dirty="0"/>
+              <a:t>is a form of peer review in which a team of qualified personnel examines the suitability of the software product for its intended use and identifies discrepancies from specifications and </a:t>
+            </a:r>
+            <a:r>
+              <a:rPr lang="en-US" altLang="zh-CN" dirty="0" smtClean="0"/>
+              <a:t>standards.</a:t>
+            </a:r>
+            <a:endParaRPr lang="zh-CN" altLang="en-US" dirty="0"/>
+          </a:p>
+        </p:txBody>
+      </p:sp>
+      <p:sp>
+        <p:nvSpPr>
+          <p:cNvPr id="3" name="标题 2"/>
+          <p:cNvSpPr>
+            <a:spLocks noGrp="1"/>
+          </p:cNvSpPr>
+          <p:nvPr>
+            <p:ph type="title"/>
+          </p:nvPr>
+        </p:nvSpPr>
+        <p:spPr/>
+        <p:txBody>
+          <a:bodyPr/>
+          <a:lstStyle/>
+          <a:p>
+            <a:r>
+              <a:rPr lang="en-US" altLang="zh-CN" dirty="0"/>
+              <a:t>Different types of Peer reviews</a:t>
+            </a:r>
+            <a:endParaRPr lang="zh-CN" altLang="en-US" dirty="0"/>
+          </a:p>
+        </p:txBody>
+      </p:sp>
+    </p:spTree>
+    <p:extLst>
+      <p:ext uri="{BB962C8B-B14F-4D97-AF65-F5344CB8AC3E}">
+        <p14:creationId xmlns:p14="http://schemas.microsoft.com/office/powerpoint/2010/main" val="2494651628"/>
       </p:ext>
     </p:extLst>
   </p:cSld>
@@ -8212,7 +9413,7 @@
           <a:graphicData uri="http://schemas.openxmlformats.org/presentationml/2006/ole">
             <mc:AlternateContent xmlns:mc="http://schemas.openxmlformats.org/markup-compatibility/2006">
               <mc:Choice xmlns:v="urn:schemas-microsoft-com:vml" Requires="v">
-                <p:oleObj spid="_x0000_s3123" name="Visio" r:id="rId3" imgW="4721304" imgH="6724765" progId="Visio.Drawing.15">
+                <p:oleObj spid="_x0000_s3158" name="Visio" r:id="rId3" imgW="4721304" imgH="6724765" progId="Visio.Drawing.15">
                   <p:embed/>
                 </p:oleObj>
               </mc:Choice>
@@ -8534,6 +9735,3087 @@
       </p:par>
     </p:tnLst>
   </p:timing>
+</p:sld>
+</file>
+
+<file path=ppt/slides/slide30.xml><?xml version="1.0" encoding="utf-8"?>
+<p:sld xmlns:a="http://schemas.openxmlformats.org/drawingml/2006/main" xmlns:r="http://schemas.openxmlformats.org/officeDocument/2006/relationships" xmlns:p="http://schemas.openxmlformats.org/presentationml/2006/main">
+  <p:cSld>
+    <p:spTree>
+      <p:nvGrpSpPr>
+        <p:cNvPr id="1" name=""/>
+        <p:cNvGrpSpPr/>
+        <p:nvPr/>
+      </p:nvGrpSpPr>
+      <p:grpSpPr>
+        <a:xfrm>
+          <a:off x="0" y="0"/>
+          <a:ext cx="0" cy="0"/>
+          <a:chOff x="0" y="0"/>
+          <a:chExt cx="0" cy="0"/>
+        </a:xfrm>
+      </p:grpSpPr>
+      <p:graphicFrame>
+        <p:nvGraphicFramePr>
+          <p:cNvPr id="4" name="内容占位符 3"/>
+          <p:cNvGraphicFramePr>
+            <a:graphicFrameLocks noGrp="1"/>
+          </p:cNvGraphicFramePr>
+          <p:nvPr>
+            <p:ph sz="quarter" idx="1"/>
+            <p:extLst>
+              <p:ext uri="{D42A27DB-BD31-4B8C-83A1-F6EECF244321}">
+                <p14:modId xmlns:p14="http://schemas.microsoft.com/office/powerpoint/2010/main" val="3770329271"/>
+              </p:ext>
+            </p:extLst>
+          </p:nvPr>
+        </p:nvGraphicFramePr>
+        <p:xfrm>
+          <a:off x="899592" y="947936"/>
+          <a:ext cx="8004176" cy="5471160"/>
+        </p:xfrm>
+        <a:graphic>
+          <a:graphicData uri="http://schemas.openxmlformats.org/drawingml/2006/table">
+            <a:tbl>
+              <a:tblPr firstRow="1" bandRow="1">
+                <a:tableStyleId>{5C22544A-7EE6-4342-B048-85BDC9FD1C3A}</a:tableStyleId>
+              </a:tblPr>
+              <a:tblGrid>
+                <a:gridCol w="1656184"/>
+                <a:gridCol w="6347992"/>
+              </a:tblGrid>
+              <a:tr h="370840">
+                <a:tc>
+                  <a:txBody>
+                    <a:bodyPr/>
+                    <a:lstStyle/>
+                    <a:p>
+                      <a:r>
+                        <a:rPr lang="en-US" altLang="zh-CN" dirty="0" smtClean="0"/>
+                        <a:t>Role</a:t>
+                      </a:r>
+                      <a:endParaRPr lang="zh-CN" altLang="en-US" dirty="0"/>
+                    </a:p>
+                  </a:txBody>
+                  <a:tcPr/>
+                </a:tc>
+                <a:tc>
+                  <a:txBody>
+                    <a:bodyPr/>
+                    <a:lstStyle/>
+                    <a:p>
+                      <a:r>
+                        <a:rPr lang="en-US" altLang="zh-CN" dirty="0" smtClean="0"/>
+                        <a:t>Responsibilities</a:t>
+                      </a:r>
+                      <a:endParaRPr lang="zh-CN" altLang="en-US" dirty="0"/>
+                    </a:p>
+                  </a:txBody>
+                  <a:tcPr/>
+                </a:tc>
+              </a:tr>
+              <a:tr h="370840">
+                <a:tc>
+                  <a:txBody>
+                    <a:bodyPr/>
+                    <a:lstStyle/>
+                    <a:p>
+                      <a:r>
+                        <a:rPr lang="en-US" altLang="zh-CN" sz="1600" b="1" dirty="0" smtClean="0"/>
+                        <a:t>author</a:t>
+                      </a:r>
+                      <a:endParaRPr lang="zh-CN" altLang="en-US" sz="1600" b="1" dirty="0"/>
+                    </a:p>
+                  </a:txBody>
+                  <a:tcPr/>
+                </a:tc>
+                <a:tc>
+                  <a:txBody>
+                    <a:bodyPr/>
+                    <a:lstStyle/>
+                    <a:p>
+                      <a:pPr marL="285750" indent="-285750">
+                        <a:buFont typeface="Arial" panose="020B0604020202020204" pitchFamily="34" charset="0"/>
+                        <a:buChar char="•"/>
+                      </a:pPr>
+                      <a:r>
+                        <a:rPr lang="en-US" altLang="zh-CN" sz="1600" dirty="0" smtClean="0"/>
+                        <a:t>State the purpose of the review</a:t>
+                      </a:r>
+                    </a:p>
+                    <a:p>
+                      <a:pPr marL="285750" indent="-285750">
+                        <a:buFont typeface="Arial" panose="020B0604020202020204" pitchFamily="34" charset="0"/>
+                        <a:buChar char="•"/>
+                      </a:pPr>
+                      <a:r>
+                        <a:rPr lang="en-US" altLang="zh-CN" sz="1600" dirty="0" smtClean="0"/>
+                        <a:t>Submit the work product to the reviewer</a:t>
+                      </a:r>
+                    </a:p>
+                    <a:p>
+                      <a:pPr marL="285750" indent="-285750">
+                        <a:buFont typeface="Arial" panose="020B0604020202020204" pitchFamily="34" charset="0"/>
+                        <a:buChar char="•"/>
+                      </a:pPr>
+                      <a:r>
+                        <a:rPr lang="en-US" altLang="zh-CN" sz="1600" dirty="0" smtClean="0"/>
+                        <a:t>Corresponds to the items on the problem log and error list</a:t>
+                      </a:r>
+                    </a:p>
+                    <a:p>
+                      <a:pPr marL="285750" indent="-285750">
+                        <a:buFont typeface="Arial" panose="020B0604020202020204" pitchFamily="34" charset="0"/>
+                        <a:buChar char="•"/>
+                      </a:pPr>
+                      <a:r>
+                        <a:rPr lang="en-US" altLang="zh-CN" sz="1600" dirty="0" smtClean="0"/>
+                        <a:t>Report the rework time and the number of defects to the reviewer</a:t>
+                      </a:r>
+                      <a:endParaRPr lang="zh-CN" altLang="en-US" sz="1600" dirty="0"/>
+                    </a:p>
+                  </a:txBody>
+                  <a:tcPr/>
+                </a:tc>
+              </a:tr>
+              <a:tr h="370840">
+                <a:tc>
+                  <a:txBody>
+                    <a:bodyPr/>
+                    <a:lstStyle/>
+                    <a:p>
+                      <a:r>
+                        <a:rPr lang="en-US" altLang="zh-CN" sz="1600" b="1" dirty="0" smtClean="0"/>
+                        <a:t>Team Leader</a:t>
+                      </a:r>
+                      <a:endParaRPr lang="zh-CN" altLang="en-US" sz="1600" b="1" dirty="0"/>
+                    </a:p>
+                  </a:txBody>
+                  <a:tcPr/>
+                </a:tc>
+                <a:tc>
+                  <a:txBody>
+                    <a:bodyPr/>
+                    <a:lstStyle/>
+                    <a:p>
+                      <a:pPr marL="285750" indent="-285750">
+                        <a:buFont typeface="Arial" panose="020B0604020202020204" pitchFamily="34" charset="0"/>
+                        <a:buChar char="•"/>
+                      </a:pPr>
+                      <a:r>
+                        <a:rPr lang="en-US" altLang="zh-CN" sz="1600" dirty="0" smtClean="0"/>
+                        <a:t>Plan, organize and organize review activities</a:t>
+                      </a:r>
+                    </a:p>
+                    <a:p>
+                      <a:pPr marL="285750" indent="-285750">
+                        <a:buFont typeface="Arial" panose="020B0604020202020204" pitchFamily="34" charset="0"/>
+                        <a:buChar char="•"/>
+                      </a:pPr>
+                      <a:r>
+                        <a:rPr lang="en-US" altLang="zh-CN" sz="1600" dirty="0" smtClean="0"/>
+                        <a:t>Select the reviewers</a:t>
+                      </a:r>
+                      <a:r>
+                        <a:rPr lang="en-US" altLang="zh-CN" sz="1600" baseline="0" dirty="0" smtClean="0"/>
+                        <a:t>  </a:t>
+                      </a:r>
+                      <a:r>
+                        <a:rPr lang="en-US" altLang="zh-CN" sz="1600" dirty="0" smtClean="0"/>
+                        <a:t>and assign roles</a:t>
+                      </a:r>
+                    </a:p>
+                    <a:p>
+                      <a:pPr marL="285750" indent="-285750">
+                        <a:buFont typeface="Arial" panose="020B0604020202020204" pitchFamily="34" charset="0"/>
+                        <a:buChar char="•"/>
+                      </a:pPr>
+                      <a:r>
+                        <a:rPr lang="en-US" altLang="zh-CN" sz="1600" dirty="0" smtClean="0"/>
+                        <a:t>Coordinate review meeting</a:t>
+                      </a:r>
+                    </a:p>
+                    <a:p>
+                      <a:pPr marL="285750" indent="-285750">
+                        <a:buFont typeface="Arial" panose="020B0604020202020204" pitchFamily="34" charset="0"/>
+                        <a:buChar char="•"/>
+                      </a:pPr>
+                      <a:r>
+                        <a:rPr lang="en-US" altLang="zh-CN" sz="1600" dirty="0" smtClean="0"/>
+                        <a:t>Lead the review team to determine the outcome of the work product evaluation</a:t>
+                      </a:r>
+                      <a:endParaRPr lang="zh-CN" altLang="en-US" sz="1600" dirty="0"/>
+                    </a:p>
+                  </a:txBody>
+                  <a:tcPr/>
+                </a:tc>
+              </a:tr>
+              <a:tr h="370840">
+                <a:tc>
+                  <a:txBody>
+                    <a:bodyPr/>
+                    <a:lstStyle/>
+                    <a:p>
+                      <a:r>
+                        <a:rPr lang="en-US" altLang="zh-CN" sz="1600" b="1" dirty="0" smtClean="0"/>
+                        <a:t>Reader</a:t>
+                      </a:r>
+                      <a:endParaRPr lang="zh-CN" altLang="en-US" sz="1600" b="1" dirty="0"/>
+                    </a:p>
+                  </a:txBody>
+                  <a:tcPr/>
+                </a:tc>
+                <a:tc>
+                  <a:txBody>
+                    <a:bodyPr/>
+                    <a:lstStyle/>
+                    <a:p>
+                      <a:pPr marL="285750" indent="-285750" algn="l" rtl="0" eaLnBrk="1" latinLnBrk="0" hangingPunct="1">
+                        <a:buFont typeface="Arial" panose="020B0604020202020204" pitchFamily="34" charset="0"/>
+                        <a:buChar char="•"/>
+                      </a:pPr>
+                      <a:r>
+                        <a:rPr kumimoji="0" lang="en-US" altLang="zh-CN" sz="1600" kern="1200" dirty="0" smtClean="0">
+                          <a:solidFill>
+                            <a:schemeClr val="dk1"/>
+                          </a:solidFill>
+                          <a:latin typeface="+mn-lt"/>
+                          <a:ea typeface="+mn-ea"/>
+                          <a:cs typeface="+mn-cs"/>
+                        </a:rPr>
+                        <a:t>Present the work products to the review panel, direct the reviewers to comment, ask questions</a:t>
+                      </a:r>
+                      <a:endParaRPr kumimoji="0" lang="zh-CN" altLang="en-US" sz="1600" kern="1200" dirty="0">
+                        <a:solidFill>
+                          <a:schemeClr val="dk1"/>
+                        </a:solidFill>
+                        <a:latin typeface="+mn-lt"/>
+                        <a:ea typeface="+mn-ea"/>
+                        <a:cs typeface="+mn-cs"/>
+                      </a:endParaRPr>
+                    </a:p>
+                  </a:txBody>
+                  <a:tcPr/>
+                </a:tc>
+              </a:tr>
+              <a:tr h="370840">
+                <a:tc>
+                  <a:txBody>
+                    <a:bodyPr/>
+                    <a:lstStyle/>
+                    <a:p>
+                      <a:r>
+                        <a:rPr lang="en-US" altLang="zh-CN" sz="1600" b="1" dirty="0" smtClean="0"/>
+                        <a:t>Recorder</a:t>
+                      </a:r>
+                      <a:endParaRPr lang="zh-CN" altLang="en-US" sz="1600" b="1" dirty="0"/>
+                    </a:p>
+                  </a:txBody>
+                  <a:tcPr/>
+                </a:tc>
+                <a:tc>
+                  <a:txBody>
+                    <a:bodyPr/>
+                    <a:lstStyle/>
+                    <a:p>
+                      <a:pPr marL="285750" indent="-285750" algn="l" rtl="0" eaLnBrk="1" latinLnBrk="0" hangingPunct="1">
+                        <a:buFont typeface="Arial" panose="020B0604020202020204" pitchFamily="34" charset="0"/>
+                        <a:buChar char="•"/>
+                      </a:pPr>
+                      <a:r>
+                        <a:rPr kumimoji="0" lang="en-US" altLang="zh-CN" sz="1600" kern="1200" dirty="0" smtClean="0">
+                          <a:solidFill>
+                            <a:schemeClr val="dk1"/>
+                          </a:solidFill>
+                          <a:latin typeface="+mn-lt"/>
+                          <a:ea typeface="+mn-ea"/>
+                          <a:cs typeface="+mn-cs"/>
+                        </a:rPr>
+                        <a:t>Record and sort the questions raised in the review meeting</a:t>
+                      </a:r>
+                      <a:endParaRPr kumimoji="0" lang="zh-CN" altLang="en-US" sz="1600" kern="1200" dirty="0">
+                        <a:solidFill>
+                          <a:schemeClr val="dk1"/>
+                        </a:solidFill>
+                        <a:latin typeface="+mn-lt"/>
+                        <a:ea typeface="+mn-ea"/>
+                        <a:cs typeface="+mn-cs"/>
+                      </a:endParaRPr>
+                    </a:p>
+                  </a:txBody>
+                  <a:tcPr/>
+                </a:tc>
+              </a:tr>
+              <a:tr h="370840">
+                <a:tc>
+                  <a:txBody>
+                    <a:bodyPr/>
+                    <a:lstStyle/>
+                    <a:p>
+                      <a:r>
+                        <a:rPr lang="en-US" altLang="zh-CN" sz="1600" b="1" dirty="0" smtClean="0"/>
+                        <a:t>Reviewer</a:t>
+                      </a:r>
+                      <a:endParaRPr lang="zh-CN" altLang="en-US" sz="1600" b="1" dirty="0"/>
+                    </a:p>
+                  </a:txBody>
+                  <a:tcPr/>
+                </a:tc>
+                <a:tc>
+                  <a:txBody>
+                    <a:bodyPr/>
+                    <a:lstStyle/>
+                    <a:p>
+                      <a:pPr marL="285750" indent="-285750" algn="l" rtl="0" eaLnBrk="1" latinLnBrk="0" hangingPunct="1">
+                        <a:buFont typeface="Arial" panose="020B0604020202020204" pitchFamily="34" charset="0"/>
+                        <a:buChar char="•"/>
+                      </a:pPr>
+                      <a:r>
+                        <a:rPr kumimoji="0" lang="en-US" altLang="zh-CN" sz="1600" kern="1200" dirty="0" smtClean="0">
+                          <a:solidFill>
+                            <a:schemeClr val="dk1"/>
+                          </a:solidFill>
+                          <a:latin typeface="+mn-lt"/>
+                          <a:ea typeface="+mn-ea"/>
+                          <a:cs typeface="+mn-cs"/>
+                        </a:rPr>
+                        <a:t>Identify product defects, participate in review meetings, ask questions, give suggestions for changes</a:t>
+                      </a:r>
+                      <a:endParaRPr kumimoji="0" lang="zh-CN" altLang="en-US" sz="1600" kern="1200" dirty="0">
+                        <a:solidFill>
+                          <a:schemeClr val="dk1"/>
+                        </a:solidFill>
+                        <a:latin typeface="+mn-lt"/>
+                        <a:ea typeface="+mn-ea"/>
+                        <a:cs typeface="+mn-cs"/>
+                      </a:endParaRPr>
+                    </a:p>
+                  </a:txBody>
+                  <a:tcPr/>
+                </a:tc>
+              </a:tr>
+              <a:tr h="370840">
+                <a:tc>
+                  <a:txBody>
+                    <a:bodyPr/>
+                    <a:lstStyle/>
+                    <a:p>
+                      <a:r>
+                        <a:rPr lang="en-US" altLang="zh-CN" sz="1600" b="1" dirty="0" smtClean="0"/>
+                        <a:t>Approver</a:t>
+                      </a:r>
+                      <a:endParaRPr lang="zh-CN" altLang="en-US" sz="1600" b="1" dirty="0"/>
+                    </a:p>
+                  </a:txBody>
+                  <a:tcPr/>
+                </a:tc>
+                <a:tc>
+                  <a:txBody>
+                    <a:bodyPr/>
+                    <a:lstStyle/>
+                    <a:p>
+                      <a:pPr marL="285750" indent="-285750" algn="l" rtl="0" eaLnBrk="1" latinLnBrk="0" hangingPunct="1">
+                        <a:buFont typeface="Arial" panose="020B0604020202020204" pitchFamily="34" charset="0"/>
+                        <a:buChar char="•"/>
+                      </a:pPr>
+                      <a:r>
+                        <a:rPr kumimoji="0" lang="en-US" altLang="zh-CN" sz="1600" kern="1200" dirty="0" smtClean="0">
+                          <a:solidFill>
+                            <a:schemeClr val="dk1"/>
+                          </a:solidFill>
+                          <a:latin typeface="+mn-lt"/>
+                          <a:ea typeface="+mn-ea"/>
+                          <a:cs typeface="+mn-cs"/>
+                        </a:rPr>
+                        <a:t>Perform a trace to verify that rework is being performed correctly.</a:t>
+                      </a:r>
+                      <a:endParaRPr kumimoji="0" lang="zh-CN" altLang="en-US" sz="1600" kern="1200" dirty="0">
+                        <a:solidFill>
+                          <a:schemeClr val="dk1"/>
+                        </a:solidFill>
+                        <a:latin typeface="+mn-lt"/>
+                        <a:ea typeface="+mn-ea"/>
+                        <a:cs typeface="+mn-cs"/>
+                      </a:endParaRPr>
+                    </a:p>
+                  </a:txBody>
+                  <a:tcPr/>
+                </a:tc>
+              </a:tr>
+              <a:tr h="370840">
+                <a:tc>
+                  <a:txBody>
+                    <a:bodyPr/>
+                    <a:lstStyle/>
+                    <a:p>
+                      <a:r>
+                        <a:rPr lang="en-US" altLang="zh-CN" b="1" dirty="0" smtClean="0"/>
+                        <a:t>Coordinator</a:t>
+                      </a:r>
+                      <a:endParaRPr lang="zh-CN" altLang="en-US" b="1" dirty="0"/>
+                    </a:p>
+                  </a:txBody>
+                  <a:tcPr/>
+                </a:tc>
+                <a:tc>
+                  <a:txBody>
+                    <a:bodyPr/>
+                    <a:lstStyle/>
+                    <a:p>
+                      <a:pPr marL="285750" indent="-285750" algn="l" rtl="0" eaLnBrk="1" latinLnBrk="0" hangingPunct="1">
+                        <a:buFont typeface="Arial" panose="020B0604020202020204" pitchFamily="34" charset="0"/>
+                        <a:buChar char="•"/>
+                      </a:pPr>
+                      <a:r>
+                        <a:rPr kumimoji="0" lang="en-US" altLang="zh-CN" sz="1600" kern="1200" dirty="0" smtClean="0">
+                          <a:solidFill>
+                            <a:schemeClr val="dk1"/>
+                          </a:solidFill>
+                          <a:latin typeface="+mn-lt"/>
+                          <a:ea typeface="+mn-ea"/>
+                          <a:cs typeface="+mn-cs"/>
+                        </a:rPr>
+                        <a:t>Review the owner of the metric database. According to the database to form a report, submitted to the management, process improvement group and the peer review process owner.</a:t>
+                      </a:r>
+                      <a:endParaRPr kumimoji="0" lang="zh-CN" altLang="en-US" sz="1600" kern="1200" dirty="0">
+                        <a:solidFill>
+                          <a:schemeClr val="dk1"/>
+                        </a:solidFill>
+                        <a:latin typeface="+mn-lt"/>
+                        <a:ea typeface="+mn-ea"/>
+                        <a:cs typeface="+mn-cs"/>
+                      </a:endParaRPr>
+                    </a:p>
+                  </a:txBody>
+                  <a:tcPr/>
+                </a:tc>
+              </a:tr>
+            </a:tbl>
+          </a:graphicData>
+        </a:graphic>
+      </p:graphicFrame>
+      <p:sp>
+        <p:nvSpPr>
+          <p:cNvPr id="3" name="标题 2"/>
+          <p:cNvSpPr>
+            <a:spLocks noGrp="1"/>
+          </p:cNvSpPr>
+          <p:nvPr>
+            <p:ph type="title"/>
+          </p:nvPr>
+        </p:nvSpPr>
+        <p:spPr>
+          <a:xfrm>
+            <a:off x="762000" y="332656"/>
+            <a:ext cx="8001000" cy="615280"/>
+          </a:xfrm>
+        </p:spPr>
+        <p:txBody>
+          <a:bodyPr>
+            <a:normAutofit fontScale="90000"/>
+          </a:bodyPr>
+          <a:lstStyle/>
+          <a:p>
+            <a:r>
+              <a:rPr lang="en-US" altLang="zh-CN" dirty="0" smtClean="0"/>
+              <a:t>Roles in review</a:t>
+            </a:r>
+            <a:endParaRPr lang="zh-CN" altLang="en-US" dirty="0"/>
+          </a:p>
+        </p:txBody>
+      </p:sp>
+    </p:spTree>
+    <p:extLst>
+      <p:ext uri="{BB962C8B-B14F-4D97-AF65-F5344CB8AC3E}">
+        <p14:creationId xmlns:p14="http://schemas.microsoft.com/office/powerpoint/2010/main" val="4212275439"/>
+      </p:ext>
+    </p:extLst>
+  </p:cSld>
+  <p:clrMapOvr>
+    <a:masterClrMapping/>
+  </p:clrMapOvr>
+</p:sld>
+</file>
+
+<file path=ppt/slides/slide31.xml><?xml version="1.0" encoding="utf-8"?>
+<p:sld xmlns:a="http://schemas.openxmlformats.org/drawingml/2006/main" xmlns:r="http://schemas.openxmlformats.org/officeDocument/2006/relationships" xmlns:p="http://schemas.openxmlformats.org/presentationml/2006/main">
+  <p:cSld>
+    <p:spTree>
+      <p:nvGrpSpPr>
+        <p:cNvPr id="1" name=""/>
+        <p:cNvGrpSpPr/>
+        <p:nvPr/>
+      </p:nvGrpSpPr>
+      <p:grpSpPr>
+        <a:xfrm>
+          <a:off x="0" y="0"/>
+          <a:ext cx="0" cy="0"/>
+          <a:chOff x="0" y="0"/>
+          <a:chExt cx="0" cy="0"/>
+        </a:xfrm>
+      </p:grpSpPr>
+      <p:graphicFrame>
+        <p:nvGraphicFramePr>
+          <p:cNvPr id="4" name="内容占位符 3"/>
+          <p:cNvGraphicFramePr>
+            <a:graphicFrameLocks noGrp="1"/>
+          </p:cNvGraphicFramePr>
+          <p:nvPr>
+            <p:ph sz="quarter" idx="1"/>
+            <p:extLst>
+              <p:ext uri="{D42A27DB-BD31-4B8C-83A1-F6EECF244321}">
+                <p14:modId xmlns:p14="http://schemas.microsoft.com/office/powerpoint/2010/main" val="4246932867"/>
+              </p:ext>
+            </p:extLst>
+          </p:nvPr>
+        </p:nvGraphicFramePr>
+        <p:xfrm>
+          <a:off x="762000" y="1700808"/>
+          <a:ext cx="7986464" cy="3505200"/>
+        </p:xfrm>
+        <a:graphic>
+          <a:graphicData uri="http://schemas.openxmlformats.org/drawingml/2006/table">
+            <a:tbl>
+              <a:tblPr firstRow="1" bandRow="1">
+                <a:tableStyleId>{5C22544A-7EE6-4342-B048-85BDC9FD1C3A}</a:tableStyleId>
+              </a:tblPr>
+              <a:tblGrid>
+                <a:gridCol w="2585864"/>
+                <a:gridCol w="1656184"/>
+                <a:gridCol w="1944216"/>
+                <a:gridCol w="1800200"/>
+              </a:tblGrid>
+              <a:tr h="370840">
+                <a:tc>
+                  <a:txBody>
+                    <a:bodyPr/>
+                    <a:lstStyle/>
+                    <a:p>
+                      <a:r>
+                        <a:rPr lang="en-US" altLang="zh-CN" dirty="0" smtClean="0"/>
+                        <a:t>Role/responsibility</a:t>
+                      </a:r>
+                      <a:endParaRPr lang="zh-CN" altLang="en-US" dirty="0"/>
+                    </a:p>
+                  </a:txBody>
+                  <a:tcPr/>
+                </a:tc>
+                <a:tc>
+                  <a:txBody>
+                    <a:bodyPr/>
+                    <a:lstStyle/>
+                    <a:p>
+                      <a:r>
+                        <a:rPr lang="en-US" altLang="zh-CN" dirty="0" smtClean="0"/>
+                        <a:t>inspection</a:t>
+                      </a:r>
+                      <a:endParaRPr lang="zh-CN" altLang="en-US" dirty="0"/>
+                    </a:p>
+                  </a:txBody>
+                  <a:tcPr/>
+                </a:tc>
+                <a:tc>
+                  <a:txBody>
+                    <a:bodyPr/>
+                    <a:lstStyle/>
+                    <a:p>
+                      <a:r>
+                        <a:rPr lang="en-US" altLang="zh-CN" dirty="0" smtClean="0"/>
+                        <a:t>review</a:t>
+                      </a:r>
+                      <a:endParaRPr lang="zh-CN" altLang="en-US" dirty="0"/>
+                    </a:p>
+                  </a:txBody>
+                  <a:tcPr/>
+                </a:tc>
+                <a:tc>
+                  <a:txBody>
+                    <a:bodyPr/>
+                    <a:lstStyle/>
+                    <a:p>
+                      <a:r>
+                        <a:rPr lang="en-US" altLang="zh-CN" dirty="0" smtClean="0"/>
+                        <a:t>Walkthrough</a:t>
+                      </a:r>
+                      <a:endParaRPr lang="zh-CN" altLang="en-US" dirty="0"/>
+                    </a:p>
+                  </a:txBody>
+                  <a:tcPr/>
+                </a:tc>
+              </a:tr>
+              <a:tr h="370840">
+                <a:tc>
+                  <a:txBody>
+                    <a:bodyPr/>
+                    <a:lstStyle/>
+                    <a:p>
+                      <a:r>
+                        <a:rPr lang="en-US" altLang="zh-CN" dirty="0" smtClean="0"/>
+                        <a:t>host </a:t>
+                      </a:r>
+                      <a:endParaRPr lang="zh-CN" altLang="en-US" dirty="0"/>
+                    </a:p>
+                  </a:txBody>
+                  <a:tcPr/>
+                </a:tc>
+                <a:tc>
+                  <a:txBody>
+                    <a:bodyPr/>
+                    <a:lstStyle/>
+                    <a:p>
+                      <a:r>
+                        <a:rPr lang="en-US" altLang="zh-CN" dirty="0" smtClean="0"/>
+                        <a:t>Team Leader</a:t>
+                      </a:r>
+                      <a:endParaRPr lang="zh-CN" altLang="en-US" dirty="0"/>
+                    </a:p>
+                  </a:txBody>
+                  <a:tcPr/>
+                </a:tc>
+                <a:tc>
+                  <a:txBody>
+                    <a:bodyPr/>
+                    <a:lstStyle/>
+                    <a:p>
+                      <a:r>
+                        <a:rPr lang="en-US" altLang="zh-CN" dirty="0" smtClean="0"/>
+                        <a:t>Team</a:t>
+                      </a:r>
+                      <a:r>
+                        <a:rPr lang="en-US" altLang="zh-CN" baseline="0" dirty="0" smtClean="0"/>
+                        <a:t> Leader or reviewer</a:t>
+                      </a:r>
+                      <a:endParaRPr lang="zh-CN" altLang="en-US" dirty="0"/>
+                    </a:p>
+                  </a:txBody>
+                  <a:tcPr/>
+                </a:tc>
+                <a:tc>
+                  <a:txBody>
+                    <a:bodyPr/>
+                    <a:lstStyle/>
+                    <a:p>
+                      <a:r>
+                        <a:rPr lang="en-US" altLang="zh-CN" dirty="0" smtClean="0"/>
+                        <a:t>author</a:t>
+                      </a:r>
+                      <a:endParaRPr lang="zh-CN" altLang="en-US" dirty="0"/>
+                    </a:p>
+                  </a:txBody>
+                  <a:tcPr/>
+                </a:tc>
+              </a:tr>
+              <a:tr h="370840">
+                <a:tc>
+                  <a:txBody>
+                    <a:bodyPr/>
+                    <a:lstStyle/>
+                    <a:p>
+                      <a:r>
+                        <a:rPr lang="en-US" altLang="zh-CN" dirty="0" smtClean="0"/>
+                        <a:t>Presentation</a:t>
+                      </a:r>
+                      <a:endParaRPr lang="zh-CN" altLang="en-US" dirty="0"/>
+                    </a:p>
+                  </a:txBody>
+                  <a:tcPr/>
+                </a:tc>
+                <a:tc>
+                  <a:txBody>
+                    <a:bodyPr/>
+                    <a:lstStyle/>
+                    <a:p>
+                      <a:r>
+                        <a:rPr lang="en-US" altLang="zh-CN" dirty="0" smtClean="0"/>
+                        <a:t>reviewer</a:t>
+                      </a:r>
+                      <a:endParaRPr lang="zh-CN" altLang="en-US" dirty="0"/>
+                    </a:p>
+                  </a:txBody>
+                  <a:tcPr/>
+                </a:tc>
+                <a:tc>
+                  <a:txBody>
+                    <a:bodyPr/>
+                    <a:lstStyle/>
+                    <a:p>
+                      <a:r>
+                        <a:rPr lang="en-US" altLang="zh-CN" dirty="0" smtClean="0"/>
+                        <a:t>Team</a:t>
+                      </a:r>
+                      <a:r>
+                        <a:rPr lang="en-US" altLang="zh-CN" baseline="0" dirty="0" smtClean="0"/>
+                        <a:t> Leader</a:t>
+                      </a:r>
+                      <a:endParaRPr lang="zh-CN" altLang="en-US" dirty="0"/>
+                    </a:p>
+                  </a:txBody>
+                  <a:tcPr/>
+                </a:tc>
+                <a:tc>
+                  <a:txBody>
+                    <a:bodyPr/>
+                    <a:lstStyle/>
+                    <a:p>
+                      <a:r>
+                        <a:rPr lang="en-US" altLang="zh-CN" dirty="0" smtClean="0"/>
+                        <a:t>author</a:t>
+                      </a:r>
+                      <a:endParaRPr lang="zh-CN" altLang="en-US" dirty="0"/>
+                    </a:p>
+                  </a:txBody>
+                  <a:tcPr/>
+                </a:tc>
+              </a:tr>
+              <a:tr h="370840">
+                <a:tc>
+                  <a:txBody>
+                    <a:bodyPr/>
+                    <a:lstStyle/>
+                    <a:p>
+                      <a:r>
+                        <a:rPr lang="en-US" altLang="zh-CN" dirty="0" smtClean="0"/>
+                        <a:t>recorder</a:t>
+                      </a:r>
+                      <a:endParaRPr lang="zh-CN" altLang="en-US" dirty="0"/>
+                    </a:p>
+                  </a:txBody>
+                  <a:tcPr/>
+                </a:tc>
+                <a:tc>
+                  <a:txBody>
+                    <a:bodyPr/>
+                    <a:lstStyle/>
+                    <a:p>
+                      <a:r>
+                        <a:rPr lang="en-US" altLang="zh-CN" dirty="0" smtClean="0"/>
+                        <a:t>Yes</a:t>
+                      </a:r>
+                      <a:endParaRPr lang="zh-CN" altLang="en-US" dirty="0"/>
+                    </a:p>
+                  </a:txBody>
+                  <a:tcPr/>
+                </a:tc>
+                <a:tc>
+                  <a:txBody>
+                    <a:bodyPr/>
+                    <a:lstStyle/>
+                    <a:p>
+                      <a:r>
+                        <a:rPr lang="en-US" altLang="zh-CN" dirty="0" smtClean="0"/>
+                        <a:t>Yes</a:t>
+                      </a:r>
+                      <a:endParaRPr lang="zh-CN" altLang="en-US" dirty="0"/>
+                    </a:p>
+                  </a:txBody>
+                  <a:tcPr/>
+                </a:tc>
+                <a:tc>
+                  <a:txBody>
+                    <a:bodyPr/>
+                    <a:lstStyle/>
+                    <a:p>
+                      <a:r>
+                        <a:rPr lang="en-US" altLang="zh-CN" dirty="0" smtClean="0"/>
+                        <a:t>May</a:t>
+                      </a:r>
+                      <a:r>
+                        <a:rPr lang="en-US" altLang="zh-CN" baseline="0" dirty="0" smtClean="0"/>
+                        <a:t> be</a:t>
+                      </a:r>
+                      <a:endParaRPr lang="zh-CN" altLang="en-US" dirty="0"/>
+                    </a:p>
+                  </a:txBody>
+                  <a:tcPr/>
+                </a:tc>
+              </a:tr>
+              <a:tr h="370840">
+                <a:tc>
+                  <a:txBody>
+                    <a:bodyPr/>
+                    <a:lstStyle/>
+                    <a:p>
+                      <a:r>
+                        <a:rPr lang="en-US" altLang="zh-CN" dirty="0" smtClean="0"/>
+                        <a:t>Having special</a:t>
+                      </a:r>
+                      <a:r>
+                        <a:rPr lang="en-US" altLang="zh-CN" baseline="0" dirty="0" smtClean="0"/>
+                        <a:t> roles for review</a:t>
+                      </a:r>
+                      <a:endParaRPr lang="zh-CN" altLang="en-US" dirty="0"/>
+                    </a:p>
+                  </a:txBody>
+                  <a:tcPr/>
+                </a:tc>
+                <a:tc>
+                  <a:txBody>
+                    <a:bodyPr/>
+                    <a:lstStyle/>
+                    <a:p>
+                      <a:r>
+                        <a:rPr lang="en-US" altLang="zh-CN" dirty="0" smtClean="0"/>
+                        <a:t>Yes</a:t>
+                      </a:r>
+                      <a:endParaRPr lang="zh-CN" altLang="en-US" dirty="0"/>
+                    </a:p>
+                  </a:txBody>
+                  <a:tcPr/>
+                </a:tc>
+                <a:tc>
+                  <a:txBody>
+                    <a:bodyPr/>
+                    <a:lstStyle/>
+                    <a:p>
+                      <a:r>
+                        <a:rPr lang="en-US" altLang="zh-CN" dirty="0" smtClean="0"/>
+                        <a:t>Yes</a:t>
+                      </a:r>
+                      <a:endParaRPr lang="zh-CN" altLang="en-US" dirty="0"/>
+                    </a:p>
+                  </a:txBody>
+                  <a:tcPr/>
+                </a:tc>
+                <a:tc>
+                  <a:txBody>
+                    <a:bodyPr/>
+                    <a:lstStyle/>
+                    <a:p>
+                      <a:r>
+                        <a:rPr lang="en-US" altLang="zh-CN" dirty="0" smtClean="0"/>
+                        <a:t>No</a:t>
+                      </a:r>
+                      <a:endParaRPr lang="zh-CN" altLang="en-US" dirty="0"/>
+                    </a:p>
+                  </a:txBody>
+                  <a:tcPr/>
+                </a:tc>
+              </a:tr>
+              <a:tr h="370840">
+                <a:tc>
+                  <a:txBody>
+                    <a:bodyPr/>
+                    <a:lstStyle/>
+                    <a:p>
+                      <a:r>
+                        <a:rPr lang="en-US" altLang="zh-CN" dirty="0" smtClean="0"/>
+                        <a:t>Checklist</a:t>
+                      </a:r>
+                      <a:endParaRPr lang="zh-CN" altLang="en-US" dirty="0"/>
+                    </a:p>
+                  </a:txBody>
+                  <a:tcPr/>
+                </a:tc>
+                <a:tc>
+                  <a:txBody>
+                    <a:bodyPr/>
+                    <a:lstStyle/>
+                    <a:p>
+                      <a:r>
+                        <a:rPr lang="en-US" altLang="zh-CN" dirty="0" smtClean="0"/>
+                        <a:t>Yes</a:t>
+                      </a:r>
+                      <a:endParaRPr lang="zh-CN" altLang="en-US" dirty="0"/>
+                    </a:p>
+                  </a:txBody>
+                  <a:tcPr/>
+                </a:tc>
+                <a:tc>
+                  <a:txBody>
+                    <a:bodyPr/>
+                    <a:lstStyle/>
+                    <a:p>
+                      <a:r>
+                        <a:rPr lang="en-US" altLang="zh-CN" dirty="0" smtClean="0"/>
+                        <a:t>Yes</a:t>
+                      </a:r>
+                      <a:endParaRPr lang="zh-CN" altLang="en-US" dirty="0"/>
+                    </a:p>
+                  </a:txBody>
+                  <a:tcPr/>
+                </a:tc>
+                <a:tc>
+                  <a:txBody>
+                    <a:bodyPr/>
+                    <a:lstStyle/>
+                    <a:p>
+                      <a:r>
+                        <a:rPr lang="en-US" altLang="zh-CN" dirty="0" smtClean="0"/>
+                        <a:t>No</a:t>
+                      </a:r>
+                      <a:endParaRPr lang="zh-CN" altLang="en-US" dirty="0"/>
+                    </a:p>
+                  </a:txBody>
+                  <a:tcPr/>
+                </a:tc>
+              </a:tr>
+              <a:tr h="370840">
+                <a:tc>
+                  <a:txBody>
+                    <a:bodyPr/>
+                    <a:lstStyle/>
+                    <a:p>
+                      <a:r>
+                        <a:rPr lang="en-US" altLang="zh-CN" dirty="0" smtClean="0"/>
+                        <a:t>Tracking and analysis</a:t>
+                      </a:r>
+                      <a:endParaRPr lang="zh-CN" altLang="en-US" dirty="0"/>
+                    </a:p>
+                  </a:txBody>
+                  <a:tcPr/>
+                </a:tc>
+                <a:tc>
+                  <a:txBody>
+                    <a:bodyPr/>
+                    <a:lstStyle/>
+                    <a:p>
+                      <a:r>
+                        <a:rPr lang="en-US" altLang="zh-CN" dirty="0" smtClean="0"/>
+                        <a:t>Yes</a:t>
+                      </a:r>
+                      <a:endParaRPr lang="zh-CN" altLang="en-US" dirty="0"/>
+                    </a:p>
+                  </a:txBody>
+                  <a:tcPr/>
+                </a:tc>
+                <a:tc>
+                  <a:txBody>
+                    <a:bodyPr/>
+                    <a:lstStyle/>
+                    <a:p>
+                      <a:r>
+                        <a:rPr lang="en-US" altLang="zh-CN" dirty="0" smtClean="0"/>
+                        <a:t>May be</a:t>
+                      </a:r>
+                      <a:endParaRPr lang="zh-CN" altLang="en-US" dirty="0"/>
+                    </a:p>
+                  </a:txBody>
+                  <a:tcPr/>
+                </a:tc>
+                <a:tc>
+                  <a:txBody>
+                    <a:bodyPr/>
+                    <a:lstStyle/>
+                    <a:p>
+                      <a:r>
+                        <a:rPr lang="en-US" altLang="zh-CN" dirty="0" smtClean="0"/>
+                        <a:t>No</a:t>
+                      </a:r>
+                      <a:endParaRPr lang="zh-CN" altLang="en-US" dirty="0"/>
+                    </a:p>
+                  </a:txBody>
+                  <a:tcPr/>
+                </a:tc>
+              </a:tr>
+              <a:tr h="370840">
+                <a:tc>
+                  <a:txBody>
+                    <a:bodyPr/>
+                    <a:lstStyle/>
+                    <a:p>
+                      <a:r>
+                        <a:rPr lang="en-US" altLang="zh-CN" dirty="0" smtClean="0"/>
+                        <a:t>Evaluation</a:t>
+                      </a:r>
+                      <a:r>
+                        <a:rPr lang="en-US" altLang="zh-CN" baseline="0" dirty="0" smtClean="0"/>
+                        <a:t> of product</a:t>
+                      </a:r>
+                      <a:endParaRPr lang="zh-CN" altLang="en-US" dirty="0"/>
+                    </a:p>
+                  </a:txBody>
+                  <a:tcPr/>
+                </a:tc>
+                <a:tc>
+                  <a:txBody>
+                    <a:bodyPr/>
+                    <a:lstStyle/>
+                    <a:p>
+                      <a:r>
+                        <a:rPr lang="en-US" altLang="zh-CN" dirty="0" smtClean="0"/>
+                        <a:t>Yes</a:t>
+                      </a:r>
+                      <a:endParaRPr lang="zh-CN" altLang="en-US" dirty="0"/>
+                    </a:p>
+                  </a:txBody>
+                  <a:tcPr/>
+                </a:tc>
+                <a:tc>
+                  <a:txBody>
+                    <a:bodyPr/>
+                    <a:lstStyle/>
+                    <a:p>
+                      <a:r>
+                        <a:rPr lang="en-US" altLang="zh-CN" dirty="0" smtClean="0"/>
+                        <a:t>Yes</a:t>
+                      </a:r>
+                      <a:endParaRPr lang="zh-CN" altLang="en-US" dirty="0"/>
+                    </a:p>
+                  </a:txBody>
+                  <a:tcPr/>
+                </a:tc>
+                <a:tc>
+                  <a:txBody>
+                    <a:bodyPr/>
+                    <a:lstStyle/>
+                    <a:p>
+                      <a:r>
+                        <a:rPr lang="en-US" altLang="zh-CN" dirty="0" smtClean="0"/>
+                        <a:t>No</a:t>
+                      </a:r>
+                      <a:endParaRPr lang="zh-CN" altLang="en-US" dirty="0"/>
+                    </a:p>
+                  </a:txBody>
+                  <a:tcPr/>
+                </a:tc>
+              </a:tr>
+            </a:tbl>
+          </a:graphicData>
+        </a:graphic>
+      </p:graphicFrame>
+      <p:sp>
+        <p:nvSpPr>
+          <p:cNvPr id="3" name="标题 2"/>
+          <p:cNvSpPr>
+            <a:spLocks noGrp="1"/>
+          </p:cNvSpPr>
+          <p:nvPr>
+            <p:ph type="title"/>
+          </p:nvPr>
+        </p:nvSpPr>
+        <p:spPr/>
+        <p:txBody>
+          <a:bodyPr/>
+          <a:lstStyle/>
+          <a:p>
+            <a:r>
+              <a:rPr lang="en-US" altLang="zh-CN" dirty="0" smtClean="0"/>
+              <a:t>Clarify the differences</a:t>
+            </a:r>
+            <a:endParaRPr lang="zh-CN" altLang="en-US" dirty="0"/>
+          </a:p>
+        </p:txBody>
+      </p:sp>
+    </p:spTree>
+    <p:extLst>
+      <p:ext uri="{BB962C8B-B14F-4D97-AF65-F5344CB8AC3E}">
+        <p14:creationId xmlns:p14="http://schemas.microsoft.com/office/powerpoint/2010/main" val="2576902780"/>
+      </p:ext>
+    </p:extLst>
+  </p:cSld>
+  <p:clrMapOvr>
+    <a:masterClrMapping/>
+  </p:clrMapOvr>
+</p:sld>
+</file>
+
+<file path=ppt/slides/slide32.xml><?xml version="1.0" encoding="utf-8"?>
+<p:sld xmlns:a="http://schemas.openxmlformats.org/drawingml/2006/main" xmlns:r="http://schemas.openxmlformats.org/officeDocument/2006/relationships" xmlns:p="http://schemas.openxmlformats.org/presentationml/2006/main">
+  <p:cSld>
+    <p:spTree>
+      <p:nvGrpSpPr>
+        <p:cNvPr id="1" name=""/>
+        <p:cNvGrpSpPr/>
+        <p:nvPr/>
+      </p:nvGrpSpPr>
+      <p:grpSpPr>
+        <a:xfrm>
+          <a:off x="0" y="0"/>
+          <a:ext cx="0" cy="0"/>
+          <a:chOff x="0" y="0"/>
+          <a:chExt cx="0" cy="0"/>
+        </a:xfrm>
+      </p:grpSpPr>
+      <p:sp>
+        <p:nvSpPr>
+          <p:cNvPr id="3" name="标题 2"/>
+          <p:cNvSpPr>
+            <a:spLocks noGrp="1"/>
+          </p:cNvSpPr>
+          <p:nvPr>
+            <p:ph type="title"/>
+          </p:nvPr>
+        </p:nvSpPr>
+        <p:spPr>
+          <a:xfrm>
+            <a:off x="755576" y="476672"/>
+            <a:ext cx="8001000" cy="831304"/>
+          </a:xfrm>
+        </p:spPr>
+        <p:txBody>
+          <a:bodyPr/>
+          <a:lstStyle/>
+          <a:p>
+            <a:r>
+              <a:rPr lang="en-US" altLang="zh-CN" dirty="0" smtClean="0"/>
+              <a:t>Procedure of Review</a:t>
+            </a:r>
+            <a:endParaRPr lang="zh-CN" altLang="en-US" dirty="0"/>
+          </a:p>
+        </p:txBody>
+      </p:sp>
+      <p:sp>
+        <p:nvSpPr>
+          <p:cNvPr id="4" name="圆角矩形 3"/>
+          <p:cNvSpPr/>
+          <p:nvPr/>
+        </p:nvSpPr>
+        <p:spPr>
+          <a:xfrm>
+            <a:off x="3923928" y="1484784"/>
+            <a:ext cx="1584176" cy="504056"/>
+          </a:xfrm>
+          <a:prstGeom prst="roundRect">
+            <a:avLst/>
+          </a:prstGeom>
+        </p:spPr>
+        <p:style>
+          <a:lnRef idx="1">
+            <a:schemeClr val="accent1"/>
+          </a:lnRef>
+          <a:fillRef idx="2">
+            <a:schemeClr val="accent1"/>
+          </a:fillRef>
+          <a:effectRef idx="1">
+            <a:schemeClr val="accent1"/>
+          </a:effectRef>
+          <a:fontRef idx="minor">
+            <a:schemeClr val="dk1"/>
+          </a:fontRef>
+        </p:style>
+        <p:txBody>
+          <a:bodyPr rtlCol="0" anchor="ctr"/>
+          <a:lstStyle/>
+          <a:p>
+            <a:pPr algn="ctr"/>
+            <a:r>
+              <a:rPr lang="en-US" altLang="zh-CN" dirty="0" smtClean="0"/>
+              <a:t>Plan</a:t>
+            </a:r>
+            <a:endParaRPr lang="zh-CN" altLang="en-US" dirty="0"/>
+          </a:p>
+        </p:txBody>
+      </p:sp>
+      <p:sp>
+        <p:nvSpPr>
+          <p:cNvPr id="5" name="圆角矩形 4"/>
+          <p:cNvSpPr/>
+          <p:nvPr/>
+        </p:nvSpPr>
+        <p:spPr>
+          <a:xfrm>
+            <a:off x="3923928" y="2276872"/>
+            <a:ext cx="1584176" cy="504056"/>
+          </a:xfrm>
+          <a:prstGeom prst="roundRect">
+            <a:avLst/>
+          </a:prstGeom>
+        </p:spPr>
+        <p:style>
+          <a:lnRef idx="1">
+            <a:schemeClr val="accent1"/>
+          </a:lnRef>
+          <a:fillRef idx="2">
+            <a:schemeClr val="accent1"/>
+          </a:fillRef>
+          <a:effectRef idx="1">
+            <a:schemeClr val="accent1"/>
+          </a:effectRef>
+          <a:fontRef idx="minor">
+            <a:schemeClr val="dk1"/>
+          </a:fontRef>
+        </p:style>
+        <p:txBody>
+          <a:bodyPr rtlCol="0" anchor="ctr"/>
+          <a:lstStyle/>
+          <a:p>
+            <a:pPr algn="ctr"/>
+            <a:r>
+              <a:rPr lang="en-US" altLang="zh-CN" dirty="0" smtClean="0"/>
+              <a:t>Overview Introduction</a:t>
+            </a:r>
+            <a:endParaRPr lang="zh-CN" altLang="en-US" dirty="0"/>
+          </a:p>
+        </p:txBody>
+      </p:sp>
+      <p:sp>
+        <p:nvSpPr>
+          <p:cNvPr id="6" name="圆角矩形 5"/>
+          <p:cNvSpPr/>
+          <p:nvPr/>
+        </p:nvSpPr>
+        <p:spPr>
+          <a:xfrm>
+            <a:off x="3923928" y="3088626"/>
+            <a:ext cx="1583254" cy="484390"/>
+          </a:xfrm>
+          <a:prstGeom prst="roundRect">
+            <a:avLst/>
+          </a:prstGeom>
+        </p:spPr>
+        <p:style>
+          <a:lnRef idx="1">
+            <a:schemeClr val="accent1"/>
+          </a:lnRef>
+          <a:fillRef idx="2">
+            <a:schemeClr val="accent1"/>
+          </a:fillRef>
+          <a:effectRef idx="1">
+            <a:schemeClr val="accent1"/>
+          </a:effectRef>
+          <a:fontRef idx="minor">
+            <a:schemeClr val="dk1"/>
+          </a:fontRef>
+        </p:style>
+        <p:txBody>
+          <a:bodyPr rtlCol="0" anchor="ctr"/>
+          <a:lstStyle/>
+          <a:p>
+            <a:pPr algn="ctr"/>
+            <a:r>
+              <a:rPr lang="en-US" altLang="zh-CN" dirty="0" smtClean="0"/>
+              <a:t>Review</a:t>
+            </a:r>
+            <a:endParaRPr lang="zh-CN" altLang="en-US" dirty="0"/>
+          </a:p>
+        </p:txBody>
+      </p:sp>
+      <p:sp>
+        <p:nvSpPr>
+          <p:cNvPr id="7" name="圆角矩形 6"/>
+          <p:cNvSpPr/>
+          <p:nvPr/>
+        </p:nvSpPr>
+        <p:spPr>
+          <a:xfrm>
+            <a:off x="3923928" y="3880714"/>
+            <a:ext cx="1583254" cy="628406"/>
+          </a:xfrm>
+          <a:prstGeom prst="roundRect">
+            <a:avLst/>
+          </a:prstGeom>
+        </p:spPr>
+        <p:style>
+          <a:lnRef idx="1">
+            <a:schemeClr val="accent1"/>
+          </a:lnRef>
+          <a:fillRef idx="2">
+            <a:schemeClr val="accent1"/>
+          </a:fillRef>
+          <a:effectRef idx="1">
+            <a:schemeClr val="accent1"/>
+          </a:effectRef>
+          <a:fontRef idx="minor">
+            <a:schemeClr val="dk1"/>
+          </a:fontRef>
+        </p:style>
+        <p:txBody>
+          <a:bodyPr rtlCol="0" anchor="ctr"/>
+          <a:lstStyle/>
+          <a:p>
+            <a:pPr algn="ctr"/>
+            <a:r>
+              <a:rPr lang="en-US" altLang="zh-CN" dirty="0" smtClean="0"/>
+              <a:t>Review analysis</a:t>
+            </a:r>
+            <a:endParaRPr lang="zh-CN" altLang="en-US" dirty="0"/>
+          </a:p>
+        </p:txBody>
+      </p:sp>
+      <p:sp>
+        <p:nvSpPr>
+          <p:cNvPr id="8" name="圆角矩形 7"/>
+          <p:cNvSpPr/>
+          <p:nvPr/>
+        </p:nvSpPr>
+        <p:spPr>
+          <a:xfrm>
+            <a:off x="3923928" y="4851826"/>
+            <a:ext cx="1583254" cy="628406"/>
+          </a:xfrm>
+          <a:prstGeom prst="roundRect">
+            <a:avLst/>
+          </a:prstGeom>
+        </p:spPr>
+        <p:style>
+          <a:lnRef idx="1">
+            <a:schemeClr val="accent1"/>
+          </a:lnRef>
+          <a:fillRef idx="2">
+            <a:schemeClr val="accent1"/>
+          </a:fillRef>
+          <a:effectRef idx="1">
+            <a:schemeClr val="accent1"/>
+          </a:effectRef>
+          <a:fontRef idx="minor">
+            <a:schemeClr val="dk1"/>
+          </a:fontRef>
+        </p:style>
+        <p:txBody>
+          <a:bodyPr rtlCol="0" anchor="ctr"/>
+          <a:lstStyle/>
+          <a:p>
+            <a:pPr algn="ctr"/>
+            <a:r>
+              <a:rPr lang="en-US" altLang="zh-CN" dirty="0" smtClean="0"/>
+              <a:t>Problem solving</a:t>
+            </a:r>
+            <a:endParaRPr lang="zh-CN" altLang="en-US" dirty="0"/>
+          </a:p>
+        </p:txBody>
+      </p:sp>
+      <p:sp>
+        <p:nvSpPr>
+          <p:cNvPr id="9" name="圆角矩形 8"/>
+          <p:cNvSpPr/>
+          <p:nvPr/>
+        </p:nvSpPr>
+        <p:spPr>
+          <a:xfrm>
+            <a:off x="3923928" y="5822938"/>
+            <a:ext cx="1583254" cy="628406"/>
+          </a:xfrm>
+          <a:prstGeom prst="roundRect">
+            <a:avLst/>
+          </a:prstGeom>
+        </p:spPr>
+        <p:style>
+          <a:lnRef idx="1">
+            <a:schemeClr val="accent1"/>
+          </a:lnRef>
+          <a:fillRef idx="2">
+            <a:schemeClr val="accent1"/>
+          </a:fillRef>
+          <a:effectRef idx="1">
+            <a:schemeClr val="accent1"/>
+          </a:effectRef>
+          <a:fontRef idx="minor">
+            <a:schemeClr val="dk1"/>
+          </a:fontRef>
+        </p:style>
+        <p:txBody>
+          <a:bodyPr rtlCol="0" anchor="ctr"/>
+          <a:lstStyle/>
+          <a:p>
+            <a:pPr algn="ctr"/>
+            <a:r>
+              <a:rPr lang="en-US" altLang="zh-CN" dirty="0" smtClean="0"/>
+              <a:t>Tracking</a:t>
+            </a:r>
+            <a:endParaRPr lang="zh-CN" altLang="en-US" dirty="0"/>
+          </a:p>
+        </p:txBody>
+      </p:sp>
+      <p:sp>
+        <p:nvSpPr>
+          <p:cNvPr id="10" name="椭圆 9"/>
+          <p:cNvSpPr/>
+          <p:nvPr/>
+        </p:nvSpPr>
+        <p:spPr>
+          <a:xfrm>
+            <a:off x="1835696" y="1484784"/>
+            <a:ext cx="1512168" cy="648072"/>
+          </a:xfrm>
+          <a:prstGeom prst="ellipse">
+            <a:avLst/>
+          </a:prstGeom>
+          <a:ln>
+            <a:prstDash val="sysDash"/>
+          </a:ln>
+        </p:spPr>
+        <p:style>
+          <a:lnRef idx="2">
+            <a:schemeClr val="accent6"/>
+          </a:lnRef>
+          <a:fillRef idx="1">
+            <a:schemeClr val="lt1"/>
+          </a:fillRef>
+          <a:effectRef idx="0">
+            <a:schemeClr val="accent6"/>
+          </a:effectRef>
+          <a:fontRef idx="minor">
+            <a:schemeClr val="dk1"/>
+          </a:fontRef>
+        </p:style>
+        <p:txBody>
+          <a:bodyPr rtlCol="0" anchor="ctr"/>
+          <a:lstStyle/>
+          <a:p>
+            <a:pPr algn="ctr"/>
+            <a:r>
+              <a:rPr lang="en-US" altLang="zh-CN" sz="1400" dirty="0" smtClean="0"/>
+              <a:t>can enter into review?</a:t>
+            </a:r>
+            <a:endParaRPr lang="zh-CN" altLang="en-US" sz="1400" dirty="0"/>
+          </a:p>
+        </p:txBody>
+      </p:sp>
+      <p:cxnSp>
+        <p:nvCxnSpPr>
+          <p:cNvPr id="12" name="直接箭头连接符 11"/>
+          <p:cNvCxnSpPr>
+            <a:stCxn id="10" idx="6"/>
+            <a:endCxn id="4" idx="1"/>
+          </p:cNvCxnSpPr>
+          <p:nvPr/>
+        </p:nvCxnSpPr>
+        <p:spPr>
+          <a:xfrm flipV="1">
+            <a:off x="3347864" y="1736812"/>
+            <a:ext cx="576064" cy="72008"/>
+          </a:xfrm>
+          <a:prstGeom prst="straightConnector1">
+            <a:avLst/>
+          </a:prstGeom>
+          <a:ln>
+            <a:tailEnd type="triangle"/>
+          </a:ln>
+        </p:spPr>
+        <p:style>
+          <a:lnRef idx="1">
+            <a:schemeClr val="dk1"/>
+          </a:lnRef>
+          <a:fillRef idx="0">
+            <a:schemeClr val="dk1"/>
+          </a:fillRef>
+          <a:effectRef idx="0">
+            <a:schemeClr val="dk1"/>
+          </a:effectRef>
+          <a:fontRef idx="minor">
+            <a:schemeClr val="tx1"/>
+          </a:fontRef>
+        </p:style>
+      </p:cxnSp>
+      <p:cxnSp>
+        <p:nvCxnSpPr>
+          <p:cNvPr id="13" name="直接箭头连接符 12"/>
+          <p:cNvCxnSpPr>
+            <a:stCxn id="4" idx="2"/>
+            <a:endCxn id="5" idx="0"/>
+          </p:cNvCxnSpPr>
+          <p:nvPr/>
+        </p:nvCxnSpPr>
+        <p:spPr>
+          <a:xfrm>
+            <a:off x="4716016" y="1988840"/>
+            <a:ext cx="0" cy="288032"/>
+          </a:xfrm>
+          <a:prstGeom prst="straightConnector1">
+            <a:avLst/>
+          </a:prstGeom>
+          <a:ln>
+            <a:tailEnd type="triangle"/>
+          </a:ln>
+        </p:spPr>
+        <p:style>
+          <a:lnRef idx="1">
+            <a:schemeClr val="dk1"/>
+          </a:lnRef>
+          <a:fillRef idx="0">
+            <a:schemeClr val="dk1"/>
+          </a:fillRef>
+          <a:effectRef idx="0">
+            <a:schemeClr val="dk1"/>
+          </a:effectRef>
+          <a:fontRef idx="minor">
+            <a:schemeClr val="tx1"/>
+          </a:fontRef>
+        </p:style>
+      </p:cxnSp>
+      <p:cxnSp>
+        <p:nvCxnSpPr>
+          <p:cNvPr id="16" name="直接箭头连接符 15"/>
+          <p:cNvCxnSpPr>
+            <a:stCxn id="5" idx="2"/>
+            <a:endCxn id="6" idx="0"/>
+          </p:cNvCxnSpPr>
+          <p:nvPr/>
+        </p:nvCxnSpPr>
+        <p:spPr>
+          <a:xfrm flipH="1">
+            <a:off x="4715555" y="2780928"/>
+            <a:ext cx="461" cy="307698"/>
+          </a:xfrm>
+          <a:prstGeom prst="straightConnector1">
+            <a:avLst/>
+          </a:prstGeom>
+          <a:ln>
+            <a:tailEnd type="triangle"/>
+          </a:ln>
+        </p:spPr>
+        <p:style>
+          <a:lnRef idx="1">
+            <a:schemeClr val="dk1"/>
+          </a:lnRef>
+          <a:fillRef idx="0">
+            <a:schemeClr val="dk1"/>
+          </a:fillRef>
+          <a:effectRef idx="0">
+            <a:schemeClr val="dk1"/>
+          </a:effectRef>
+          <a:fontRef idx="minor">
+            <a:schemeClr val="tx1"/>
+          </a:fontRef>
+        </p:style>
+      </p:cxnSp>
+      <p:cxnSp>
+        <p:nvCxnSpPr>
+          <p:cNvPr id="19" name="直接箭头连接符 18"/>
+          <p:cNvCxnSpPr>
+            <a:stCxn id="6" idx="2"/>
+            <a:endCxn id="7" idx="0"/>
+          </p:cNvCxnSpPr>
+          <p:nvPr/>
+        </p:nvCxnSpPr>
+        <p:spPr>
+          <a:xfrm>
+            <a:off x="4715555" y="3573016"/>
+            <a:ext cx="0" cy="307698"/>
+          </a:xfrm>
+          <a:prstGeom prst="straightConnector1">
+            <a:avLst/>
+          </a:prstGeom>
+          <a:ln>
+            <a:tailEnd type="triangle"/>
+          </a:ln>
+        </p:spPr>
+        <p:style>
+          <a:lnRef idx="1">
+            <a:schemeClr val="dk1"/>
+          </a:lnRef>
+          <a:fillRef idx="0">
+            <a:schemeClr val="dk1"/>
+          </a:fillRef>
+          <a:effectRef idx="0">
+            <a:schemeClr val="dk1"/>
+          </a:effectRef>
+          <a:fontRef idx="minor">
+            <a:schemeClr val="tx1"/>
+          </a:fontRef>
+        </p:style>
+      </p:cxnSp>
+      <p:cxnSp>
+        <p:nvCxnSpPr>
+          <p:cNvPr id="22" name="直接箭头连接符 21"/>
+          <p:cNvCxnSpPr>
+            <a:stCxn id="7" idx="2"/>
+            <a:endCxn id="8" idx="0"/>
+          </p:cNvCxnSpPr>
+          <p:nvPr/>
+        </p:nvCxnSpPr>
+        <p:spPr>
+          <a:xfrm>
+            <a:off x="4715555" y="4509120"/>
+            <a:ext cx="0" cy="342706"/>
+          </a:xfrm>
+          <a:prstGeom prst="straightConnector1">
+            <a:avLst/>
+          </a:prstGeom>
+          <a:ln>
+            <a:tailEnd type="triangle"/>
+          </a:ln>
+        </p:spPr>
+        <p:style>
+          <a:lnRef idx="1">
+            <a:schemeClr val="dk1"/>
+          </a:lnRef>
+          <a:fillRef idx="0">
+            <a:schemeClr val="dk1"/>
+          </a:fillRef>
+          <a:effectRef idx="0">
+            <a:schemeClr val="dk1"/>
+          </a:effectRef>
+          <a:fontRef idx="minor">
+            <a:schemeClr val="tx1"/>
+          </a:fontRef>
+        </p:style>
+      </p:cxnSp>
+      <p:cxnSp>
+        <p:nvCxnSpPr>
+          <p:cNvPr id="26" name="直接箭头连接符 25"/>
+          <p:cNvCxnSpPr>
+            <a:stCxn id="8" idx="2"/>
+            <a:endCxn id="9" idx="0"/>
+          </p:cNvCxnSpPr>
+          <p:nvPr/>
+        </p:nvCxnSpPr>
+        <p:spPr>
+          <a:xfrm>
+            <a:off x="4715555" y="5480232"/>
+            <a:ext cx="0" cy="342706"/>
+          </a:xfrm>
+          <a:prstGeom prst="straightConnector1">
+            <a:avLst/>
+          </a:prstGeom>
+          <a:ln>
+            <a:tailEnd type="triangle"/>
+          </a:ln>
+        </p:spPr>
+        <p:style>
+          <a:lnRef idx="1">
+            <a:schemeClr val="dk1"/>
+          </a:lnRef>
+          <a:fillRef idx="0">
+            <a:schemeClr val="dk1"/>
+          </a:fillRef>
+          <a:effectRef idx="0">
+            <a:schemeClr val="dk1"/>
+          </a:effectRef>
+          <a:fontRef idx="minor">
+            <a:schemeClr val="tx1"/>
+          </a:fontRef>
+        </p:style>
+      </p:cxnSp>
+      <p:sp>
+        <p:nvSpPr>
+          <p:cNvPr id="29" name="圆角矩形 28"/>
+          <p:cNvSpPr/>
+          <p:nvPr/>
+        </p:nvSpPr>
+        <p:spPr>
+          <a:xfrm>
+            <a:off x="6012160" y="3875228"/>
+            <a:ext cx="2447523" cy="628406"/>
+          </a:xfrm>
+          <a:prstGeom prst="roundRect">
+            <a:avLst/>
+          </a:prstGeom>
+        </p:spPr>
+        <p:style>
+          <a:lnRef idx="1">
+            <a:schemeClr val="accent1"/>
+          </a:lnRef>
+          <a:fillRef idx="2">
+            <a:schemeClr val="accent1"/>
+          </a:fillRef>
+          <a:effectRef idx="1">
+            <a:schemeClr val="accent1"/>
+          </a:effectRef>
+          <a:fontRef idx="minor">
+            <a:schemeClr val="dk1"/>
+          </a:fontRef>
+        </p:style>
+        <p:txBody>
+          <a:bodyPr rtlCol="0" anchor="ctr"/>
+          <a:lstStyle/>
+          <a:p>
+            <a:pPr algn="ctr"/>
+            <a:r>
+              <a:rPr lang="en-US" altLang="zh-CN" dirty="0" smtClean="0"/>
+              <a:t>Suggestion for process improvement</a:t>
+            </a:r>
+            <a:endParaRPr lang="zh-CN" altLang="en-US" dirty="0"/>
+          </a:p>
+        </p:txBody>
+      </p:sp>
+      <p:sp>
+        <p:nvSpPr>
+          <p:cNvPr id="30" name="菱形 29"/>
+          <p:cNvSpPr/>
+          <p:nvPr/>
+        </p:nvSpPr>
+        <p:spPr>
+          <a:xfrm>
+            <a:off x="6660232" y="4906207"/>
+            <a:ext cx="1584176" cy="593738"/>
+          </a:xfrm>
+          <a:prstGeom prst="diamond">
+            <a:avLst/>
+          </a:prstGeom>
+          <a:ln>
+            <a:prstDash val="sysDash"/>
+          </a:ln>
+        </p:spPr>
+        <p:style>
+          <a:lnRef idx="2">
+            <a:schemeClr val="accent6"/>
+          </a:lnRef>
+          <a:fillRef idx="1">
+            <a:schemeClr val="lt1"/>
+          </a:fillRef>
+          <a:effectRef idx="0">
+            <a:schemeClr val="accent6"/>
+          </a:effectRef>
+          <a:fontRef idx="minor">
+            <a:schemeClr val="dk1"/>
+          </a:fontRef>
+        </p:style>
+        <p:txBody>
+          <a:bodyPr rtlCol="0" anchor="ctr"/>
+          <a:lstStyle/>
+          <a:p>
+            <a:pPr algn="ctr"/>
+            <a:r>
+              <a:rPr lang="en-US" altLang="zh-CN" sz="1200" dirty="0" smtClean="0"/>
+              <a:t>Meet the needs?</a:t>
+            </a:r>
+            <a:endParaRPr lang="zh-CN" altLang="en-US" sz="1200" dirty="0"/>
+          </a:p>
+        </p:txBody>
+      </p:sp>
+      <p:cxnSp>
+        <p:nvCxnSpPr>
+          <p:cNvPr id="32" name="肘形连接符 31"/>
+          <p:cNvCxnSpPr>
+            <a:stCxn id="30" idx="3"/>
+            <a:endCxn id="6" idx="3"/>
+          </p:cNvCxnSpPr>
+          <p:nvPr/>
+        </p:nvCxnSpPr>
+        <p:spPr>
+          <a:xfrm flipH="1" flipV="1">
+            <a:off x="5507182" y="3330821"/>
+            <a:ext cx="2737226" cy="1872255"/>
+          </a:xfrm>
+          <a:prstGeom prst="bentConnector3">
+            <a:avLst>
+              <a:gd name="adj1" fmla="val -17463"/>
+            </a:avLst>
+          </a:prstGeom>
+          <a:ln>
+            <a:headEnd type="none" w="med" len="med"/>
+            <a:tailEnd type="triangle" w="med" len="med"/>
+          </a:ln>
+        </p:spPr>
+        <p:style>
+          <a:lnRef idx="1">
+            <a:schemeClr val="dk1"/>
+          </a:lnRef>
+          <a:fillRef idx="0">
+            <a:schemeClr val="dk1"/>
+          </a:fillRef>
+          <a:effectRef idx="0">
+            <a:schemeClr val="dk1"/>
+          </a:effectRef>
+          <a:fontRef idx="minor">
+            <a:schemeClr val="tx1"/>
+          </a:fontRef>
+        </p:style>
+      </p:cxnSp>
+      <p:cxnSp>
+        <p:nvCxnSpPr>
+          <p:cNvPr id="34" name="直接箭头连接符 33"/>
+          <p:cNvCxnSpPr>
+            <a:stCxn id="7" idx="3"/>
+            <a:endCxn id="29" idx="1"/>
+          </p:cNvCxnSpPr>
+          <p:nvPr/>
+        </p:nvCxnSpPr>
+        <p:spPr>
+          <a:xfrm flipV="1">
+            <a:off x="5507182" y="4189431"/>
+            <a:ext cx="504978" cy="5486"/>
+          </a:xfrm>
+          <a:prstGeom prst="straightConnector1">
+            <a:avLst/>
+          </a:prstGeom>
+          <a:ln>
+            <a:prstDash val="sysDash"/>
+            <a:tailEnd type="triangle"/>
+          </a:ln>
+        </p:spPr>
+        <p:style>
+          <a:lnRef idx="1">
+            <a:schemeClr val="dk1"/>
+          </a:lnRef>
+          <a:fillRef idx="0">
+            <a:schemeClr val="dk1"/>
+          </a:fillRef>
+          <a:effectRef idx="0">
+            <a:schemeClr val="dk1"/>
+          </a:effectRef>
+          <a:fontRef idx="minor">
+            <a:schemeClr val="tx1"/>
+          </a:fontRef>
+        </p:style>
+      </p:cxnSp>
+      <p:sp>
+        <p:nvSpPr>
+          <p:cNvPr id="38" name="矩形 37"/>
+          <p:cNvSpPr/>
+          <p:nvPr/>
+        </p:nvSpPr>
+        <p:spPr>
+          <a:xfrm>
+            <a:off x="971600" y="3088626"/>
+            <a:ext cx="1152128" cy="484390"/>
+          </a:xfrm>
+          <a:prstGeom prst="rect">
+            <a:avLst/>
+          </a:prstGeom>
+          <a:ln>
+            <a:prstDash val="sysDash"/>
+          </a:ln>
+        </p:spPr>
+        <p:style>
+          <a:lnRef idx="2">
+            <a:schemeClr val="accent6"/>
+          </a:lnRef>
+          <a:fillRef idx="1">
+            <a:schemeClr val="lt1"/>
+          </a:fillRef>
+          <a:effectRef idx="0">
+            <a:schemeClr val="accent6"/>
+          </a:effectRef>
+          <a:fontRef idx="minor">
+            <a:schemeClr val="dk1"/>
+          </a:fontRef>
+        </p:style>
+        <p:txBody>
+          <a:bodyPr rtlCol="0" anchor="ctr"/>
+          <a:lstStyle/>
+          <a:p>
+            <a:pPr algn="ctr"/>
+            <a:r>
+              <a:rPr lang="en-US" altLang="zh-CN" dirty="0" smtClean="0"/>
+              <a:t>problem</a:t>
+            </a:r>
+            <a:endParaRPr lang="zh-CN" altLang="en-US" dirty="0"/>
+          </a:p>
+        </p:txBody>
+      </p:sp>
+      <p:sp>
+        <p:nvSpPr>
+          <p:cNvPr id="39" name="矩形 38"/>
+          <p:cNvSpPr/>
+          <p:nvPr/>
+        </p:nvSpPr>
+        <p:spPr>
+          <a:xfrm>
+            <a:off x="2447764" y="3072840"/>
+            <a:ext cx="1152128" cy="484390"/>
+          </a:xfrm>
+          <a:prstGeom prst="rect">
+            <a:avLst/>
+          </a:prstGeom>
+          <a:ln>
+            <a:prstDash val="sysDash"/>
+          </a:ln>
+        </p:spPr>
+        <p:style>
+          <a:lnRef idx="2">
+            <a:schemeClr val="accent6"/>
+          </a:lnRef>
+          <a:fillRef idx="1">
+            <a:schemeClr val="lt1"/>
+          </a:fillRef>
+          <a:effectRef idx="0">
+            <a:schemeClr val="accent6"/>
+          </a:effectRef>
+          <a:fontRef idx="minor">
+            <a:schemeClr val="dk1"/>
+          </a:fontRef>
+        </p:style>
+        <p:txBody>
+          <a:bodyPr rtlCol="0" anchor="ctr"/>
+          <a:lstStyle/>
+          <a:p>
+            <a:pPr algn="ctr"/>
+            <a:r>
+              <a:rPr lang="en-US" altLang="zh-CN" dirty="0" smtClean="0"/>
+              <a:t>report</a:t>
+            </a:r>
+            <a:endParaRPr lang="zh-CN" altLang="en-US" dirty="0"/>
+          </a:p>
+        </p:txBody>
+      </p:sp>
+      <p:cxnSp>
+        <p:nvCxnSpPr>
+          <p:cNvPr id="41" name="直接连接符 40"/>
+          <p:cNvCxnSpPr>
+            <a:stCxn id="39" idx="3"/>
+            <a:endCxn id="6" idx="1"/>
+          </p:cNvCxnSpPr>
+          <p:nvPr/>
+        </p:nvCxnSpPr>
+        <p:spPr>
+          <a:xfrm>
+            <a:off x="3599892" y="3315035"/>
+            <a:ext cx="324036" cy="15786"/>
+          </a:xfrm>
+          <a:prstGeom prst="line">
+            <a:avLst/>
+          </a:prstGeom>
+        </p:spPr>
+        <p:style>
+          <a:lnRef idx="1">
+            <a:schemeClr val="dk1"/>
+          </a:lnRef>
+          <a:fillRef idx="0">
+            <a:schemeClr val="dk1"/>
+          </a:fillRef>
+          <a:effectRef idx="0">
+            <a:schemeClr val="dk1"/>
+          </a:effectRef>
+          <a:fontRef idx="minor">
+            <a:schemeClr val="tx1"/>
+          </a:fontRef>
+        </p:style>
+      </p:cxnSp>
+      <p:cxnSp>
+        <p:nvCxnSpPr>
+          <p:cNvPr id="43" name="直接连接符 42"/>
+          <p:cNvCxnSpPr>
+            <a:stCxn id="38" idx="3"/>
+            <a:endCxn id="39" idx="1"/>
+          </p:cNvCxnSpPr>
+          <p:nvPr/>
+        </p:nvCxnSpPr>
+        <p:spPr>
+          <a:xfrm flipV="1">
+            <a:off x="2123728" y="3315035"/>
+            <a:ext cx="324036" cy="15786"/>
+          </a:xfrm>
+          <a:prstGeom prst="line">
+            <a:avLst/>
+          </a:prstGeom>
+        </p:spPr>
+        <p:style>
+          <a:lnRef idx="1">
+            <a:schemeClr val="dk1"/>
+          </a:lnRef>
+          <a:fillRef idx="0">
+            <a:schemeClr val="dk1"/>
+          </a:fillRef>
+          <a:effectRef idx="0">
+            <a:schemeClr val="dk1"/>
+          </a:effectRef>
+          <a:fontRef idx="minor">
+            <a:schemeClr val="tx1"/>
+          </a:fontRef>
+        </p:style>
+      </p:cxnSp>
+      <p:cxnSp>
+        <p:nvCxnSpPr>
+          <p:cNvPr id="46" name="肘形连接符 45"/>
+          <p:cNvCxnSpPr>
+            <a:stCxn id="39" idx="2"/>
+            <a:endCxn id="7" idx="1"/>
+          </p:cNvCxnSpPr>
+          <p:nvPr/>
+        </p:nvCxnSpPr>
+        <p:spPr>
+          <a:xfrm rot="16200000" flipH="1">
+            <a:off x="3155035" y="3426023"/>
+            <a:ext cx="637687" cy="900100"/>
+          </a:xfrm>
+          <a:prstGeom prst="bentConnector2">
+            <a:avLst/>
+          </a:prstGeom>
+          <a:ln>
+            <a:headEnd type="none" w="med" len="med"/>
+            <a:tailEnd type="triangle" w="med" len="med"/>
+          </a:ln>
+        </p:spPr>
+        <p:style>
+          <a:lnRef idx="1">
+            <a:schemeClr val="dk1"/>
+          </a:lnRef>
+          <a:fillRef idx="0">
+            <a:schemeClr val="dk1"/>
+          </a:fillRef>
+          <a:effectRef idx="0">
+            <a:schemeClr val="dk1"/>
+          </a:effectRef>
+          <a:fontRef idx="minor">
+            <a:schemeClr val="tx1"/>
+          </a:fontRef>
+        </p:style>
+      </p:cxnSp>
+      <p:cxnSp>
+        <p:nvCxnSpPr>
+          <p:cNvPr id="48" name="肘形连接符 47"/>
+          <p:cNvCxnSpPr>
+            <a:stCxn id="38" idx="2"/>
+          </p:cNvCxnSpPr>
+          <p:nvPr/>
+        </p:nvCxnSpPr>
+        <p:spPr>
+          <a:xfrm rot="16200000" flipH="1">
+            <a:off x="1977539" y="3143141"/>
+            <a:ext cx="616415" cy="1476164"/>
+          </a:xfrm>
+          <a:prstGeom prst="bentConnector2">
+            <a:avLst/>
+          </a:prstGeom>
+        </p:spPr>
+        <p:style>
+          <a:lnRef idx="1">
+            <a:schemeClr val="dk1"/>
+          </a:lnRef>
+          <a:fillRef idx="0">
+            <a:schemeClr val="dk1"/>
+          </a:fillRef>
+          <a:effectRef idx="0">
+            <a:schemeClr val="dk1"/>
+          </a:effectRef>
+          <a:fontRef idx="minor">
+            <a:schemeClr val="tx1"/>
+          </a:fontRef>
+        </p:style>
+      </p:cxnSp>
+      <p:cxnSp>
+        <p:nvCxnSpPr>
+          <p:cNvPr id="50" name="肘形连接符 49"/>
+          <p:cNvCxnSpPr>
+            <a:endCxn id="8" idx="1"/>
+          </p:cNvCxnSpPr>
+          <p:nvPr/>
+        </p:nvCxnSpPr>
+        <p:spPr>
+          <a:xfrm rot="16200000" flipH="1">
+            <a:off x="2985579" y="4227680"/>
+            <a:ext cx="976598" cy="900100"/>
+          </a:xfrm>
+          <a:prstGeom prst="bentConnector2">
+            <a:avLst/>
+          </a:prstGeom>
+          <a:ln>
+            <a:headEnd type="none" w="med" len="med"/>
+            <a:tailEnd type="triangle" w="med" len="med"/>
+          </a:ln>
+        </p:spPr>
+        <p:style>
+          <a:lnRef idx="1">
+            <a:schemeClr val="dk1"/>
+          </a:lnRef>
+          <a:fillRef idx="0">
+            <a:schemeClr val="dk1"/>
+          </a:fillRef>
+          <a:effectRef idx="0">
+            <a:schemeClr val="dk1"/>
+          </a:effectRef>
+          <a:fontRef idx="minor">
+            <a:schemeClr val="tx1"/>
+          </a:fontRef>
+        </p:style>
+      </p:cxnSp>
+      <p:cxnSp>
+        <p:nvCxnSpPr>
+          <p:cNvPr id="52" name="肘形连接符 51"/>
+          <p:cNvCxnSpPr/>
+          <p:nvPr/>
+        </p:nvCxnSpPr>
+        <p:spPr>
+          <a:xfrm>
+            <a:off x="1547663" y="4205216"/>
+            <a:ext cx="1476164" cy="958070"/>
+          </a:xfrm>
+          <a:prstGeom prst="bentConnector3">
+            <a:avLst>
+              <a:gd name="adj1" fmla="val 22"/>
+            </a:avLst>
+          </a:prstGeom>
+        </p:spPr>
+        <p:style>
+          <a:lnRef idx="1">
+            <a:schemeClr val="dk1"/>
+          </a:lnRef>
+          <a:fillRef idx="0">
+            <a:schemeClr val="dk1"/>
+          </a:fillRef>
+          <a:effectRef idx="0">
+            <a:schemeClr val="dk1"/>
+          </a:effectRef>
+          <a:fontRef idx="minor">
+            <a:schemeClr val="tx1"/>
+          </a:fontRef>
+        </p:style>
+      </p:cxnSp>
+    </p:spTree>
+    <p:extLst>
+      <p:ext uri="{BB962C8B-B14F-4D97-AF65-F5344CB8AC3E}">
+        <p14:creationId xmlns:p14="http://schemas.microsoft.com/office/powerpoint/2010/main" val="1280071487"/>
+      </p:ext>
+    </p:extLst>
+  </p:cSld>
+  <p:clrMapOvr>
+    <a:masterClrMapping/>
+  </p:clrMapOvr>
+</p:sld>
+</file>
+
+<file path=ppt/slides/slide33.xml><?xml version="1.0" encoding="utf-8"?>
+<p:sld xmlns:a="http://schemas.openxmlformats.org/drawingml/2006/main" xmlns:r="http://schemas.openxmlformats.org/officeDocument/2006/relationships" xmlns:p="http://schemas.openxmlformats.org/presentationml/2006/main">
+  <p:cSld>
+    <p:spTree>
+      <p:nvGrpSpPr>
+        <p:cNvPr id="1" name=""/>
+        <p:cNvGrpSpPr/>
+        <p:nvPr/>
+      </p:nvGrpSpPr>
+      <p:grpSpPr>
+        <a:xfrm>
+          <a:off x="0" y="0"/>
+          <a:ext cx="0" cy="0"/>
+          <a:chOff x="0" y="0"/>
+          <a:chExt cx="0" cy="0"/>
+        </a:xfrm>
+      </p:grpSpPr>
+      <p:sp>
+        <p:nvSpPr>
+          <p:cNvPr id="2" name="内容占位符 1"/>
+          <p:cNvSpPr>
+            <a:spLocks noGrp="1"/>
+          </p:cNvSpPr>
+          <p:nvPr>
+            <p:ph sz="quarter" idx="1"/>
+          </p:nvPr>
+        </p:nvSpPr>
+        <p:spPr/>
+        <p:txBody>
+          <a:bodyPr>
+            <a:normAutofit/>
+          </a:bodyPr>
+          <a:lstStyle/>
+          <a:p>
+            <a:r>
+              <a:rPr lang="en-US" altLang="zh-CN" dirty="0" smtClean="0"/>
+              <a:t>Defect prevention</a:t>
+            </a:r>
+          </a:p>
+          <a:p>
+            <a:pPr lvl="1"/>
+            <a:r>
+              <a:rPr lang="en-US" altLang="zh-CN" dirty="0" smtClean="0"/>
+              <a:t>Test-driven Development</a:t>
+            </a:r>
+            <a:endParaRPr lang="en-US" altLang="zh-CN" dirty="0"/>
+          </a:p>
+          <a:p>
+            <a:pPr lvl="2"/>
+            <a:r>
+              <a:rPr lang="en-US" altLang="zh-CN" sz="1600" dirty="0"/>
+              <a:t>    Much less debug </a:t>
+            </a:r>
+            <a:r>
+              <a:rPr lang="en-US" altLang="zh-CN" sz="1600" dirty="0" smtClean="0"/>
+              <a:t>time</a:t>
+            </a:r>
+            <a:endParaRPr lang="en-US" altLang="zh-CN" sz="1600" dirty="0"/>
+          </a:p>
+          <a:p>
+            <a:pPr lvl="2"/>
+            <a:r>
+              <a:rPr lang="en-US" altLang="zh-CN" sz="1600" dirty="0"/>
+              <a:t>    Code proven to meet </a:t>
+            </a:r>
+            <a:r>
+              <a:rPr lang="en-US" altLang="zh-CN" sz="1600" dirty="0" smtClean="0"/>
+              <a:t>requirements</a:t>
+            </a:r>
+            <a:endParaRPr lang="en-US" altLang="zh-CN" sz="1600" dirty="0"/>
+          </a:p>
+          <a:p>
+            <a:pPr lvl="2"/>
+            <a:r>
+              <a:rPr lang="en-US" altLang="zh-CN" sz="1600" dirty="0"/>
+              <a:t>    Tests become Safety </a:t>
+            </a:r>
+            <a:r>
+              <a:rPr lang="en-US" altLang="zh-CN" sz="1600" dirty="0" smtClean="0"/>
+              <a:t>Net</a:t>
+            </a:r>
+            <a:endParaRPr lang="en-US" altLang="zh-CN" sz="1600" dirty="0"/>
+          </a:p>
+          <a:p>
+            <a:pPr lvl="2"/>
+            <a:r>
+              <a:rPr lang="en-US" altLang="zh-CN" sz="1600" dirty="0"/>
+              <a:t>    Near zero </a:t>
+            </a:r>
+            <a:r>
+              <a:rPr lang="en-US" altLang="zh-CN" sz="1600" dirty="0" smtClean="0"/>
+              <a:t>defects</a:t>
+            </a:r>
+            <a:endParaRPr lang="en-US" altLang="zh-CN" sz="1600" dirty="0"/>
+          </a:p>
+          <a:p>
+            <a:pPr lvl="2"/>
+            <a:r>
+              <a:rPr lang="en-US" altLang="zh-CN" sz="1600" dirty="0"/>
+              <a:t>    Shorter development cycles</a:t>
+            </a:r>
+          </a:p>
+          <a:p>
+            <a:pPr lvl="2"/>
+            <a:endParaRPr lang="en-US" altLang="zh-CN" sz="1600" dirty="0" smtClean="0"/>
+          </a:p>
+          <a:p>
+            <a:pPr lvl="1"/>
+            <a:endParaRPr lang="zh-CN" altLang="en-US" dirty="0"/>
+          </a:p>
+        </p:txBody>
+      </p:sp>
+      <p:sp>
+        <p:nvSpPr>
+          <p:cNvPr id="3" name="标题 2"/>
+          <p:cNvSpPr>
+            <a:spLocks noGrp="1"/>
+          </p:cNvSpPr>
+          <p:nvPr>
+            <p:ph type="title"/>
+          </p:nvPr>
+        </p:nvSpPr>
+        <p:spPr/>
+        <p:txBody>
+          <a:bodyPr/>
+          <a:lstStyle/>
+          <a:p>
+            <a:r>
+              <a:rPr lang="en-US" altLang="zh-CN" dirty="0" smtClean="0"/>
+              <a:t>Defect prevention and tracking</a:t>
+            </a:r>
+            <a:endParaRPr lang="zh-CN" altLang="en-US" dirty="0"/>
+          </a:p>
+        </p:txBody>
+      </p:sp>
+      <p:pic>
+        <p:nvPicPr>
+          <p:cNvPr id="4" name="图片 3"/>
+          <p:cNvPicPr>
+            <a:picLocks noChangeAspect="1"/>
+          </p:cNvPicPr>
+          <p:nvPr/>
+        </p:nvPicPr>
+        <p:blipFill>
+          <a:blip r:embed="rId2"/>
+          <a:stretch>
+            <a:fillRect/>
+          </a:stretch>
+        </p:blipFill>
+        <p:spPr>
+          <a:xfrm>
+            <a:off x="5508104" y="1600200"/>
+            <a:ext cx="3162300" cy="4924425"/>
+          </a:xfrm>
+          <a:prstGeom prst="rect">
+            <a:avLst/>
+          </a:prstGeom>
+        </p:spPr>
+      </p:pic>
+    </p:spTree>
+    <p:extLst>
+      <p:ext uri="{BB962C8B-B14F-4D97-AF65-F5344CB8AC3E}">
+        <p14:creationId xmlns:p14="http://schemas.microsoft.com/office/powerpoint/2010/main" val="271168042"/>
+      </p:ext>
+    </p:extLst>
+  </p:cSld>
+  <p:clrMapOvr>
+    <a:masterClrMapping/>
+  </p:clrMapOvr>
+</p:sld>
+</file>
+
+<file path=ppt/slides/slide34.xml><?xml version="1.0" encoding="utf-8"?>
+<p:sld xmlns:a="http://schemas.openxmlformats.org/drawingml/2006/main" xmlns:r="http://schemas.openxmlformats.org/officeDocument/2006/relationships" xmlns:p="http://schemas.openxmlformats.org/presentationml/2006/main">
+  <p:cSld>
+    <p:spTree>
+      <p:nvGrpSpPr>
+        <p:cNvPr id="1" name=""/>
+        <p:cNvGrpSpPr/>
+        <p:nvPr/>
+      </p:nvGrpSpPr>
+      <p:grpSpPr>
+        <a:xfrm>
+          <a:off x="0" y="0"/>
+          <a:ext cx="0" cy="0"/>
+          <a:chOff x="0" y="0"/>
+          <a:chExt cx="0" cy="0"/>
+        </a:xfrm>
+      </p:grpSpPr>
+      <p:sp>
+        <p:nvSpPr>
+          <p:cNvPr id="2" name="内容占位符 1"/>
+          <p:cNvSpPr>
+            <a:spLocks noGrp="1"/>
+          </p:cNvSpPr>
+          <p:nvPr>
+            <p:ph sz="quarter" idx="1"/>
+          </p:nvPr>
+        </p:nvSpPr>
+        <p:spPr/>
+        <p:txBody>
+          <a:bodyPr>
+            <a:normAutofit fontScale="77500" lnSpcReduction="20000"/>
+          </a:bodyPr>
+          <a:lstStyle/>
+          <a:p>
+            <a:r>
+              <a:rPr lang="en-US" altLang="zh-CN" dirty="0"/>
+              <a:t>Where Found</a:t>
+            </a:r>
+          </a:p>
+          <a:p>
+            <a:pPr lvl="1"/>
+            <a:r>
+              <a:rPr lang="en-US" altLang="zh-CN" dirty="0"/>
+              <a:t>product, release, version, hardware, </a:t>
+            </a:r>
+            <a:r>
+              <a:rPr lang="en-US" altLang="zh-CN" dirty="0" err="1"/>
+              <a:t>os</a:t>
+            </a:r>
+            <a:r>
+              <a:rPr lang="en-US" altLang="zh-CN" dirty="0"/>
+              <a:t>, drivers, general area</a:t>
+            </a:r>
+          </a:p>
+          <a:p>
+            <a:r>
+              <a:rPr lang="en-US" altLang="zh-CN" dirty="0"/>
+              <a:t>Who Found It</a:t>
+            </a:r>
+          </a:p>
+          <a:p>
+            <a:pPr lvl="1"/>
+            <a:r>
+              <a:rPr lang="en-US" altLang="zh-CN" dirty="0"/>
+              <a:t>customer, internal, when</a:t>
+            </a:r>
+          </a:p>
+          <a:p>
+            <a:r>
+              <a:rPr lang="en-US" altLang="zh-CN" dirty="0"/>
+              <a:t>Description of the Defect</a:t>
+            </a:r>
+          </a:p>
+          <a:p>
+            <a:pPr lvl="1"/>
+            <a:r>
+              <a:rPr lang="en-US" altLang="zh-CN" dirty="0"/>
+              <a:t>summary, description, how to reproduce, associated data</a:t>
+            </a:r>
+          </a:p>
+          <a:p>
+            <a:pPr lvl="1"/>
+            <a:r>
+              <a:rPr lang="en-US" altLang="zh-CN" dirty="0"/>
+              <a:t>links to related defects or features</a:t>
+            </a:r>
+          </a:p>
+          <a:p>
+            <a:r>
+              <a:rPr lang="en-US" altLang="zh-CN" dirty="0"/>
+              <a:t>Triage</a:t>
+            </a:r>
+          </a:p>
+          <a:p>
+            <a:pPr lvl="1"/>
+            <a:r>
+              <a:rPr lang="en-US" altLang="zh-CN" dirty="0"/>
+              <a:t>severity, likelihood → priority</a:t>
+            </a:r>
+          </a:p>
+          <a:p>
+            <a:r>
+              <a:rPr lang="en-US" altLang="zh-CN" dirty="0"/>
+              <a:t>Audit Trail</a:t>
+            </a:r>
+          </a:p>
+          <a:p>
+            <a:pPr lvl="1"/>
+            <a:r>
+              <a:rPr lang="en-US" altLang="zh-CN" dirty="0"/>
+              <a:t>all changes to the defect data, by whom, when</a:t>
+            </a:r>
+          </a:p>
+          <a:p>
+            <a:r>
+              <a:rPr lang="en-US" altLang="zh-CN" dirty="0"/>
+              <a:t>State</a:t>
+            </a:r>
+          </a:p>
+          <a:p>
+            <a:pPr lvl="1"/>
+            <a:r>
+              <a:rPr lang="en-US" altLang="zh-CN" dirty="0"/>
+              <a:t>state, owner</a:t>
+            </a:r>
+          </a:p>
+          <a:p>
+            <a:endParaRPr lang="zh-CN" altLang="en-US" dirty="0"/>
+          </a:p>
+        </p:txBody>
+      </p:sp>
+      <p:sp>
+        <p:nvSpPr>
+          <p:cNvPr id="3" name="标题 2"/>
+          <p:cNvSpPr>
+            <a:spLocks noGrp="1"/>
+          </p:cNvSpPr>
+          <p:nvPr>
+            <p:ph type="title"/>
+          </p:nvPr>
+        </p:nvSpPr>
+        <p:spPr/>
+        <p:txBody>
+          <a:bodyPr/>
+          <a:lstStyle/>
+          <a:p>
+            <a:r>
+              <a:rPr lang="en-US" altLang="zh-CN" dirty="0" smtClean="0"/>
+              <a:t>Defect tracking and analysis</a:t>
+            </a:r>
+            <a:endParaRPr lang="zh-CN" altLang="en-US" dirty="0"/>
+          </a:p>
+        </p:txBody>
+      </p:sp>
+    </p:spTree>
+    <p:extLst>
+      <p:ext uri="{BB962C8B-B14F-4D97-AF65-F5344CB8AC3E}">
+        <p14:creationId xmlns:p14="http://schemas.microsoft.com/office/powerpoint/2010/main" val="262104233"/>
+      </p:ext>
+    </p:extLst>
+  </p:cSld>
+  <p:clrMapOvr>
+    <a:masterClrMapping/>
+  </p:clrMapOvr>
+</p:sld>
+</file>
+
+<file path=ppt/slides/slide35.xml><?xml version="1.0" encoding="utf-8"?>
+<p:sld xmlns:a="http://schemas.openxmlformats.org/drawingml/2006/main" xmlns:r="http://schemas.openxmlformats.org/officeDocument/2006/relationships" xmlns:p="http://schemas.openxmlformats.org/presentationml/2006/main">
+  <p:cSld>
+    <p:spTree>
+      <p:nvGrpSpPr>
+        <p:cNvPr id="1" name=""/>
+        <p:cNvGrpSpPr/>
+        <p:nvPr/>
+      </p:nvGrpSpPr>
+      <p:grpSpPr>
+        <a:xfrm>
+          <a:off x="0" y="0"/>
+          <a:ext cx="0" cy="0"/>
+          <a:chOff x="0" y="0"/>
+          <a:chExt cx="0" cy="0"/>
+        </a:xfrm>
+      </p:grpSpPr>
+      <p:sp>
+        <p:nvSpPr>
+          <p:cNvPr id="3" name="标题 2"/>
+          <p:cNvSpPr>
+            <a:spLocks noGrp="1"/>
+          </p:cNvSpPr>
+          <p:nvPr>
+            <p:ph type="title"/>
+          </p:nvPr>
+        </p:nvSpPr>
+        <p:spPr/>
+        <p:txBody>
+          <a:bodyPr/>
+          <a:lstStyle/>
+          <a:p>
+            <a:r>
+              <a:rPr lang="en-US" altLang="zh-CN" dirty="0" smtClean="0"/>
+              <a:t>Bug tracking</a:t>
+            </a:r>
+            <a:endParaRPr lang="zh-CN" altLang="en-US" dirty="0"/>
+          </a:p>
+        </p:txBody>
+      </p:sp>
+      <p:pic>
+        <p:nvPicPr>
+          <p:cNvPr id="4" name="图片 3"/>
+          <p:cNvPicPr>
+            <a:picLocks noChangeAspect="1"/>
+          </p:cNvPicPr>
+          <p:nvPr/>
+        </p:nvPicPr>
+        <p:blipFill>
+          <a:blip r:embed="rId2"/>
+          <a:stretch>
+            <a:fillRect/>
+          </a:stretch>
+        </p:blipFill>
+        <p:spPr>
+          <a:xfrm>
+            <a:off x="2051720" y="1556971"/>
+            <a:ext cx="5172075" cy="5301030"/>
+          </a:xfrm>
+          <a:prstGeom prst="rect">
+            <a:avLst/>
+          </a:prstGeom>
+        </p:spPr>
+      </p:pic>
+    </p:spTree>
+    <p:extLst>
+      <p:ext uri="{BB962C8B-B14F-4D97-AF65-F5344CB8AC3E}">
+        <p14:creationId xmlns:p14="http://schemas.microsoft.com/office/powerpoint/2010/main" val="4039522775"/>
+      </p:ext>
+    </p:extLst>
+  </p:cSld>
+  <p:clrMapOvr>
+    <a:masterClrMapping/>
+  </p:clrMapOvr>
+</p:sld>
+</file>
+
+<file path=ppt/slides/slide36.xml><?xml version="1.0" encoding="utf-8"?>
+<p:sld xmlns:a="http://schemas.openxmlformats.org/drawingml/2006/main" xmlns:r="http://schemas.openxmlformats.org/officeDocument/2006/relationships" xmlns:p="http://schemas.openxmlformats.org/presentationml/2006/main">
+  <p:cSld>
+    <p:spTree>
+      <p:nvGrpSpPr>
+        <p:cNvPr id="1" name=""/>
+        <p:cNvGrpSpPr/>
+        <p:nvPr/>
+      </p:nvGrpSpPr>
+      <p:grpSpPr>
+        <a:xfrm>
+          <a:off x="0" y="0"/>
+          <a:ext cx="0" cy="0"/>
+          <a:chOff x="0" y="0"/>
+          <a:chExt cx="0" cy="0"/>
+        </a:xfrm>
+      </p:grpSpPr>
+      <p:sp>
+        <p:nvSpPr>
+          <p:cNvPr id="3" name="标题 2"/>
+          <p:cNvSpPr>
+            <a:spLocks noGrp="1"/>
+          </p:cNvSpPr>
+          <p:nvPr>
+            <p:ph type="title"/>
+          </p:nvPr>
+        </p:nvSpPr>
+        <p:spPr/>
+        <p:txBody>
+          <a:bodyPr/>
+          <a:lstStyle/>
+          <a:p>
+            <a:r>
+              <a:rPr lang="en-US" altLang="zh-CN" dirty="0"/>
+              <a:t>Bug tracking tools</a:t>
+            </a:r>
+            <a:endParaRPr lang="zh-CN" altLang="en-US" dirty="0"/>
+          </a:p>
+        </p:txBody>
+      </p:sp>
+      <p:pic>
+        <p:nvPicPr>
+          <p:cNvPr id="4" name="图片 3"/>
+          <p:cNvPicPr>
+            <a:picLocks noChangeAspect="1"/>
+          </p:cNvPicPr>
+          <p:nvPr/>
+        </p:nvPicPr>
+        <p:blipFill>
+          <a:blip r:embed="rId2"/>
+          <a:stretch>
+            <a:fillRect/>
+          </a:stretch>
+        </p:blipFill>
+        <p:spPr>
+          <a:xfrm>
+            <a:off x="684361" y="1988840"/>
+            <a:ext cx="8156277" cy="4042394"/>
+          </a:xfrm>
+          <a:prstGeom prst="rect">
+            <a:avLst/>
+          </a:prstGeom>
+        </p:spPr>
+      </p:pic>
+      <p:sp>
+        <p:nvSpPr>
+          <p:cNvPr id="5" name="内容占位符 1"/>
+          <p:cNvSpPr>
+            <a:spLocks noGrp="1"/>
+          </p:cNvSpPr>
+          <p:nvPr>
+            <p:ph sz="quarter" idx="1"/>
+          </p:nvPr>
+        </p:nvSpPr>
+        <p:spPr>
+          <a:xfrm>
+            <a:off x="762000" y="1454088"/>
+            <a:ext cx="8004048" cy="604664"/>
+          </a:xfrm>
+        </p:spPr>
+        <p:txBody>
+          <a:bodyPr/>
+          <a:lstStyle/>
+          <a:p>
+            <a:r>
+              <a:rPr lang="en-US" altLang="zh-CN" dirty="0" err="1" smtClean="0"/>
+              <a:t>MantisBT</a:t>
+            </a:r>
+            <a:r>
+              <a:rPr lang="en-US" altLang="zh-CN" dirty="0" smtClean="0"/>
+              <a:t>, Bugzilla, </a:t>
+            </a:r>
+            <a:r>
+              <a:rPr lang="en-US" altLang="zh-CN" dirty="0" err="1" smtClean="0"/>
+              <a:t>BugFree</a:t>
+            </a:r>
+            <a:endParaRPr lang="en-US" altLang="zh-CN" dirty="0" smtClean="0"/>
+          </a:p>
+        </p:txBody>
+      </p:sp>
+    </p:spTree>
+    <p:extLst>
+      <p:ext uri="{BB962C8B-B14F-4D97-AF65-F5344CB8AC3E}">
+        <p14:creationId xmlns:p14="http://schemas.microsoft.com/office/powerpoint/2010/main" val="3028031176"/>
+      </p:ext>
+    </p:extLst>
+  </p:cSld>
+  <p:clrMapOvr>
+    <a:masterClrMapping/>
+  </p:clrMapOvr>
+</p:sld>
+</file>
+
+<file path=ppt/slides/slide37.xml><?xml version="1.0" encoding="utf-8"?>
+<p:sld xmlns:a="http://schemas.openxmlformats.org/drawingml/2006/main" xmlns:r="http://schemas.openxmlformats.org/officeDocument/2006/relationships" xmlns:p="http://schemas.openxmlformats.org/presentationml/2006/main">
+  <p:cSld>
+    <p:spTree>
+      <p:nvGrpSpPr>
+        <p:cNvPr id="1" name=""/>
+        <p:cNvGrpSpPr/>
+        <p:nvPr/>
+      </p:nvGrpSpPr>
+      <p:grpSpPr>
+        <a:xfrm>
+          <a:off x="0" y="0"/>
+          <a:ext cx="0" cy="0"/>
+          <a:chOff x="0" y="0"/>
+          <a:chExt cx="0" cy="0"/>
+        </a:xfrm>
+      </p:grpSpPr>
+      <p:sp>
+        <p:nvSpPr>
+          <p:cNvPr id="2" name="内容占位符 1"/>
+          <p:cNvSpPr>
+            <a:spLocks noGrp="1"/>
+          </p:cNvSpPr>
+          <p:nvPr>
+            <p:ph sz="quarter" idx="1"/>
+          </p:nvPr>
+        </p:nvSpPr>
+        <p:spPr>
+          <a:xfrm>
+            <a:off x="762000" y="1600200"/>
+            <a:ext cx="8004048" cy="604664"/>
+          </a:xfrm>
+        </p:spPr>
+        <p:txBody>
+          <a:bodyPr/>
+          <a:lstStyle/>
+          <a:p>
+            <a:r>
+              <a:rPr lang="en-US" altLang="zh-CN" dirty="0" err="1" smtClean="0"/>
+              <a:t>MantisBT</a:t>
+            </a:r>
+            <a:r>
+              <a:rPr lang="en-US" altLang="zh-CN" dirty="0" smtClean="0"/>
+              <a:t>, Bugzilla, </a:t>
+            </a:r>
+            <a:r>
+              <a:rPr lang="en-US" altLang="zh-CN" dirty="0" err="1" smtClean="0"/>
+              <a:t>BugFree</a:t>
+            </a:r>
+            <a:endParaRPr lang="en-US" altLang="zh-CN" dirty="0" smtClean="0"/>
+          </a:p>
+        </p:txBody>
+      </p:sp>
+      <p:sp>
+        <p:nvSpPr>
+          <p:cNvPr id="3" name="标题 2"/>
+          <p:cNvSpPr>
+            <a:spLocks noGrp="1"/>
+          </p:cNvSpPr>
+          <p:nvPr>
+            <p:ph type="title"/>
+          </p:nvPr>
+        </p:nvSpPr>
+        <p:spPr/>
+        <p:txBody>
+          <a:bodyPr/>
+          <a:lstStyle/>
+          <a:p>
+            <a:r>
+              <a:rPr lang="en-US" altLang="zh-CN" dirty="0" smtClean="0"/>
+              <a:t>Bug tracking tools-analysis</a:t>
+            </a:r>
+            <a:endParaRPr lang="zh-CN" altLang="en-US" dirty="0"/>
+          </a:p>
+        </p:txBody>
+      </p:sp>
+      <p:pic>
+        <p:nvPicPr>
+          <p:cNvPr id="4" name="图片 3"/>
+          <p:cNvPicPr>
+            <a:picLocks noChangeAspect="1"/>
+          </p:cNvPicPr>
+          <p:nvPr/>
+        </p:nvPicPr>
+        <p:blipFill>
+          <a:blip r:embed="rId2"/>
+          <a:stretch>
+            <a:fillRect/>
+          </a:stretch>
+        </p:blipFill>
+        <p:spPr>
+          <a:xfrm>
+            <a:off x="971600" y="2281064"/>
+            <a:ext cx="4586481" cy="4365104"/>
+          </a:xfrm>
+          <a:prstGeom prst="rect">
+            <a:avLst/>
+          </a:prstGeom>
+        </p:spPr>
+      </p:pic>
+    </p:spTree>
+    <p:extLst>
+      <p:ext uri="{BB962C8B-B14F-4D97-AF65-F5344CB8AC3E}">
+        <p14:creationId xmlns:p14="http://schemas.microsoft.com/office/powerpoint/2010/main" val="727670081"/>
+      </p:ext>
+    </p:extLst>
+  </p:cSld>
+  <p:clrMapOvr>
+    <a:masterClrMapping/>
+  </p:clrMapOvr>
+</p:sld>
+</file>
+
+<file path=ppt/slides/slide38.xml><?xml version="1.0" encoding="utf-8"?>
+<p:sld xmlns:a="http://schemas.openxmlformats.org/drawingml/2006/main" xmlns:r="http://schemas.openxmlformats.org/officeDocument/2006/relationships" xmlns:p="http://schemas.openxmlformats.org/presentationml/2006/main">
+  <p:cSld>
+    <p:spTree>
+      <p:nvGrpSpPr>
+        <p:cNvPr id="1" name=""/>
+        <p:cNvGrpSpPr/>
+        <p:nvPr/>
+      </p:nvGrpSpPr>
+      <p:grpSpPr>
+        <a:xfrm>
+          <a:off x="0" y="0"/>
+          <a:ext cx="0" cy="0"/>
+          <a:chOff x="0" y="0"/>
+          <a:chExt cx="0" cy="0"/>
+        </a:xfrm>
+      </p:grpSpPr>
+      <p:sp>
+        <p:nvSpPr>
+          <p:cNvPr id="2" name="内容占位符 1"/>
+          <p:cNvSpPr>
+            <a:spLocks noGrp="1"/>
+          </p:cNvSpPr>
+          <p:nvPr>
+            <p:ph sz="quarter" idx="1"/>
+          </p:nvPr>
+        </p:nvSpPr>
+        <p:spPr/>
+        <p:txBody>
+          <a:bodyPr/>
+          <a:lstStyle/>
+          <a:p>
+            <a:r>
+              <a:rPr lang="en-US" altLang="zh-CN" dirty="0" smtClean="0"/>
+              <a:t>Density In Process Faults, DIPF</a:t>
+            </a:r>
+          </a:p>
+          <a:p>
+            <a:pPr lvl="1"/>
+            <a:r>
+              <a:rPr lang="en-US" altLang="zh-CN" sz="2400" i="1" dirty="0" smtClean="0"/>
+              <a:t>DIPF = </a:t>
+            </a:r>
+            <a:r>
+              <a:rPr lang="en-US" altLang="zh-CN" sz="2400" i="1" dirty="0" err="1" smtClean="0"/>
+              <a:t>D</a:t>
+            </a:r>
+            <a:r>
+              <a:rPr lang="en-US" altLang="zh-CN" sz="2400" i="1" baseline="-25000" dirty="0" err="1" smtClean="0"/>
+              <a:t>n</a:t>
+            </a:r>
+            <a:r>
+              <a:rPr lang="en-US" altLang="zh-CN" sz="2400" i="1" dirty="0" smtClean="0"/>
+              <a:t>/</a:t>
+            </a:r>
+            <a:r>
+              <a:rPr lang="en-US" altLang="zh-CN" sz="2400" i="1" dirty="0" err="1" smtClean="0"/>
+              <a:t>S</a:t>
+            </a:r>
+            <a:r>
+              <a:rPr lang="en-US" altLang="zh-CN" sz="2400" i="1" baseline="-25000" dirty="0" err="1" smtClean="0"/>
+              <a:t>p</a:t>
+            </a:r>
+            <a:endParaRPr lang="en-US" altLang="zh-CN" sz="2400" i="1" baseline="-25000" dirty="0" smtClean="0"/>
+          </a:p>
+          <a:p>
+            <a:pPr lvl="1"/>
+            <a:r>
+              <a:rPr lang="en-US" altLang="zh-CN" sz="2400" i="1" dirty="0" err="1" smtClean="0"/>
+              <a:t>D</a:t>
+            </a:r>
+            <a:r>
+              <a:rPr lang="en-US" altLang="zh-CN" sz="2400" i="1" baseline="-25000" dirty="0" err="1" smtClean="0"/>
+              <a:t>n</a:t>
+            </a:r>
+            <a:r>
+              <a:rPr lang="en-US" altLang="zh-CN" sz="2400" baseline="-25000" dirty="0" smtClean="0"/>
+              <a:t> </a:t>
+            </a:r>
+            <a:r>
+              <a:rPr lang="en-US" altLang="zh-CN" sz="2400" dirty="0" smtClean="0"/>
+              <a:t>number of defects found</a:t>
+            </a:r>
+          </a:p>
+          <a:p>
+            <a:pPr lvl="1"/>
+            <a:r>
+              <a:rPr lang="en-US" altLang="zh-CN" sz="2400" i="1" dirty="0" err="1" smtClean="0"/>
+              <a:t>S</a:t>
+            </a:r>
+            <a:r>
+              <a:rPr lang="en-US" altLang="zh-CN" sz="2400" i="1" baseline="-25000" dirty="0" err="1" smtClean="0"/>
+              <a:t>p</a:t>
+            </a:r>
+            <a:r>
+              <a:rPr lang="en-US" altLang="zh-CN" sz="2400" baseline="-25000" dirty="0" smtClean="0"/>
+              <a:t> </a:t>
+            </a:r>
+            <a:r>
+              <a:rPr lang="en-US" altLang="zh-CN" sz="2400" dirty="0" smtClean="0"/>
+              <a:t>the size of product to be tested</a:t>
+            </a:r>
+          </a:p>
+          <a:p>
+            <a:r>
+              <a:rPr lang="en-US" altLang="zh-CN" dirty="0" smtClean="0"/>
+              <a:t>Defect Removal Efficiency</a:t>
+            </a:r>
+          </a:p>
+          <a:p>
+            <a:pPr marL="365760" lvl="1" indent="0">
+              <a:buNone/>
+            </a:pPr>
+            <a:endParaRPr lang="zh-CN" altLang="en-US" baseline="-25000" dirty="0"/>
+          </a:p>
+        </p:txBody>
+      </p:sp>
+      <p:sp>
+        <p:nvSpPr>
+          <p:cNvPr id="3" name="标题 2"/>
+          <p:cNvSpPr>
+            <a:spLocks noGrp="1"/>
+          </p:cNvSpPr>
+          <p:nvPr>
+            <p:ph type="title"/>
+          </p:nvPr>
+        </p:nvSpPr>
+        <p:spPr/>
+        <p:txBody>
+          <a:bodyPr/>
+          <a:lstStyle/>
+          <a:p>
+            <a:r>
+              <a:rPr lang="en-US" altLang="zh-CN" dirty="0" smtClean="0"/>
+              <a:t>Measures for process quality</a:t>
+            </a:r>
+            <a:endParaRPr lang="zh-CN" altLang="en-US" dirty="0"/>
+          </a:p>
+        </p:txBody>
+      </p:sp>
+      <p:graphicFrame>
+        <p:nvGraphicFramePr>
+          <p:cNvPr id="4" name="对象 3"/>
+          <p:cNvGraphicFramePr>
+            <a:graphicFrameLocks noChangeAspect="1"/>
+          </p:cNvGraphicFramePr>
+          <p:nvPr>
+            <p:extLst>
+              <p:ext uri="{D42A27DB-BD31-4B8C-83A1-F6EECF244321}">
+                <p14:modId xmlns:p14="http://schemas.microsoft.com/office/powerpoint/2010/main" val="2745479003"/>
+              </p:ext>
+            </p:extLst>
+          </p:nvPr>
+        </p:nvGraphicFramePr>
+        <p:xfrm>
+          <a:off x="1187624" y="3968692"/>
+          <a:ext cx="5582916" cy="747712"/>
+        </p:xfrm>
+        <a:graphic>
+          <a:graphicData uri="http://schemas.openxmlformats.org/presentationml/2006/ole">
+            <mc:AlternateContent xmlns:mc="http://schemas.openxmlformats.org/markup-compatibility/2006">
+              <mc:Choice xmlns:v="urn:schemas-microsoft-com:vml" Requires="v">
+                <p:oleObj spid="_x0000_s6148" name="Equation" r:id="rId3" imgW="2844720" imgH="380880" progId="Equation.DSMT4">
+                  <p:embed/>
+                </p:oleObj>
+              </mc:Choice>
+              <mc:Fallback>
+                <p:oleObj name="Equation" r:id="rId3" imgW="2844720" imgH="380880" progId="Equation.DSMT4">
+                  <p:embed/>
+                  <p:pic>
+                    <p:nvPicPr>
+                      <p:cNvPr id="0" name=""/>
+                      <p:cNvPicPr/>
+                      <p:nvPr/>
+                    </p:nvPicPr>
+                    <p:blipFill>
+                      <a:blip r:embed="rId4"/>
+                      <a:stretch>
+                        <a:fillRect/>
+                      </a:stretch>
+                    </p:blipFill>
+                    <p:spPr>
+                      <a:xfrm>
+                        <a:off x="1187624" y="3968692"/>
+                        <a:ext cx="5582916" cy="747712"/>
+                      </a:xfrm>
+                      <a:prstGeom prst="rect">
+                        <a:avLst/>
+                      </a:prstGeom>
+                    </p:spPr>
+                  </p:pic>
+                </p:oleObj>
+              </mc:Fallback>
+            </mc:AlternateContent>
+          </a:graphicData>
+        </a:graphic>
+      </p:graphicFrame>
+      <p:pic>
+        <p:nvPicPr>
+          <p:cNvPr id="5" name="图片 4"/>
+          <p:cNvPicPr>
+            <a:picLocks noChangeAspect="1"/>
+          </p:cNvPicPr>
+          <p:nvPr/>
+        </p:nvPicPr>
+        <p:blipFill>
+          <a:blip r:embed="rId5"/>
+          <a:stretch>
+            <a:fillRect/>
+          </a:stretch>
+        </p:blipFill>
+        <p:spPr>
+          <a:xfrm>
+            <a:off x="2123728" y="4653136"/>
+            <a:ext cx="4476750" cy="2200275"/>
+          </a:xfrm>
+          <a:prstGeom prst="rect">
+            <a:avLst/>
+          </a:prstGeom>
+        </p:spPr>
+      </p:pic>
+    </p:spTree>
+    <p:extLst>
+      <p:ext uri="{BB962C8B-B14F-4D97-AF65-F5344CB8AC3E}">
+        <p14:creationId xmlns:p14="http://schemas.microsoft.com/office/powerpoint/2010/main" val="3973713883"/>
+      </p:ext>
+    </p:extLst>
+  </p:cSld>
+  <p:clrMapOvr>
+    <a:masterClrMapping/>
+  </p:clrMapOvr>
+</p:sld>
+</file>
+
+<file path=ppt/slides/slide39.xml><?xml version="1.0" encoding="utf-8"?>
+<p:sld xmlns:a="http://schemas.openxmlformats.org/drawingml/2006/main" xmlns:r="http://schemas.openxmlformats.org/officeDocument/2006/relationships" xmlns:p="http://schemas.openxmlformats.org/presentationml/2006/main">
+  <p:cSld>
+    <p:spTree>
+      <p:nvGrpSpPr>
+        <p:cNvPr id="1" name=""/>
+        <p:cNvGrpSpPr/>
+        <p:nvPr/>
+      </p:nvGrpSpPr>
+      <p:grpSpPr>
+        <a:xfrm>
+          <a:off x="0" y="0"/>
+          <a:ext cx="0" cy="0"/>
+          <a:chOff x="0" y="0"/>
+          <a:chExt cx="0" cy="0"/>
+        </a:xfrm>
+      </p:grpSpPr>
+      <p:sp>
+        <p:nvSpPr>
+          <p:cNvPr id="2" name="内容占位符 1"/>
+          <p:cNvSpPr>
+            <a:spLocks noGrp="1"/>
+          </p:cNvSpPr>
+          <p:nvPr>
+            <p:ph sz="quarter" idx="1"/>
+          </p:nvPr>
+        </p:nvSpPr>
+        <p:spPr>
+          <a:xfrm>
+            <a:off x="762000" y="1600200"/>
+            <a:ext cx="8004048" cy="3629000"/>
+          </a:xfrm>
+        </p:spPr>
+        <p:txBody>
+          <a:bodyPr>
+            <a:normAutofit fontScale="77500" lnSpcReduction="20000"/>
+          </a:bodyPr>
+          <a:lstStyle/>
+          <a:p>
+            <a:r>
+              <a:rPr lang="en-US" altLang="zh-CN" dirty="0" smtClean="0"/>
+              <a:t>Quality by itself is a vague concept and practical quality requirements have to be carefully defined.</a:t>
+            </a:r>
+          </a:p>
+          <a:p>
+            <a:r>
+              <a:rPr lang="en-US" altLang="zh-CN" dirty="0" smtClean="0"/>
+              <a:t>There have to be practical ways of testing for the relative presence or absence of quality</a:t>
+            </a:r>
+          </a:p>
+          <a:p>
+            <a:r>
+              <a:rPr lang="en-US" altLang="zh-CN" dirty="0" smtClean="0"/>
+              <a:t>Most of the qualities that are apparent to the users of software can only be tested for when the system is completed.</a:t>
+            </a:r>
+          </a:p>
+          <a:p>
+            <a:r>
+              <a:rPr lang="en-US" altLang="zh-CN" dirty="0" smtClean="0"/>
+              <a:t>Therefore ways are needed of checking during development what the quality of the final system is likely to be.</a:t>
+            </a:r>
+          </a:p>
+          <a:p>
+            <a:r>
+              <a:rPr lang="en-US" altLang="zh-CN" dirty="0" smtClean="0"/>
+              <a:t>Some quality-enhancing techniques concentrate on testing the products of the development process, while others try to evaluate the quality of the development processes used. </a:t>
+            </a:r>
+            <a:endParaRPr lang="zh-CN" altLang="en-US" dirty="0"/>
+          </a:p>
+        </p:txBody>
+      </p:sp>
+      <p:sp>
+        <p:nvSpPr>
+          <p:cNvPr id="3" name="标题 2"/>
+          <p:cNvSpPr>
+            <a:spLocks noGrp="1"/>
+          </p:cNvSpPr>
+          <p:nvPr>
+            <p:ph type="title"/>
+          </p:nvPr>
+        </p:nvSpPr>
+        <p:spPr/>
+        <p:txBody>
+          <a:bodyPr/>
+          <a:lstStyle/>
+          <a:p>
+            <a:r>
+              <a:rPr lang="en-US" altLang="zh-CN" dirty="0" smtClean="0"/>
+              <a:t>Conclusion</a:t>
+            </a:r>
+            <a:endParaRPr lang="zh-CN" altLang="en-US" dirty="0"/>
+          </a:p>
+        </p:txBody>
+      </p:sp>
+    </p:spTree>
+    <p:extLst>
+      <p:ext uri="{BB962C8B-B14F-4D97-AF65-F5344CB8AC3E}">
+        <p14:creationId xmlns:p14="http://schemas.microsoft.com/office/powerpoint/2010/main" val="2640417027"/>
+      </p:ext>
+    </p:extLst>
+  </p:cSld>
+  <p:clrMapOvr>
+    <a:masterClrMapping/>
+  </p:clrMapOvr>
 </p:sld>
 </file>
 
